--- a/powerpoint/intro.pptx
+++ b/powerpoint/intro.pptx
@@ -13,10 +13,9 @@
     <p:sldId id="259" r:id="rId7"/>
     <p:sldId id="258" r:id="rId8"/>
     <p:sldId id="262" r:id="rId9"/>
-    <p:sldId id="264" r:id="rId10"/>
-    <p:sldId id="265" r:id="rId11"/>
-    <p:sldId id="266" r:id="rId12"/>
-    <p:sldId id="267" r:id="rId13"/>
+    <p:sldId id="265" r:id="rId10"/>
+    <p:sldId id="266" r:id="rId11"/>
+    <p:sldId id="267" r:id="rId12"/>
   </p:sldIdLst>
   <p:sldSz cx="12192000" cy="6858000"/>
   <p:notesSz cx="6858000" cy="9144000"/>
@@ -115,6 +114,11 @@
       </a:defRPr>
     </a:lvl9pPr>
   </p:defaultTextStyle>
+  <p:extLst>
+    <p:ext uri="{EFAFB233-063F-42B5-8137-9DF3F51BA10A}">
+      <p15:sldGuideLst xmlns:p15="http://schemas.microsoft.com/office/powerpoint/2012/main"/>
+    </p:ext>
+  </p:extLst>
 </p:presentation>
 </file>
 
@@ -3376,7 +3380,7 @@
           <a:p>
             <a:r>
               <a:rPr lang="en-US" dirty="0"/>
-              <a:t>Simulation of drag</a:t>
+              <a:t>Simulation of drag [Aerodynamics]</a:t>
             </a:r>
             <a:endParaRPr lang="en-GB" dirty="0"/>
           </a:p>
@@ -3468,7 +3472,7 @@
           <a:p>
             <a:r>
               <a:rPr lang="en-US" dirty="0"/>
-              <a:t>Combined forces (Add them all together)</a:t>
+              <a:t>Laminar, turbulent flow and vortices</a:t>
             </a:r>
             <a:endParaRPr lang="en-GB" dirty="0"/>
           </a:p>
@@ -3476,40 +3480,10 @@
       </p:sp>
       <p:pic>
         <p:nvPicPr>
-          <p:cNvPr id="8" name="Picture 7">
-            <a:extLst>
-              <a:ext uri="{FF2B5EF4-FFF2-40B4-BE49-F238E27FC236}">
-                <a16:creationId xmlns:a16="http://schemas.microsoft.com/office/drawing/2014/main" id="{FD598E80-64BE-4B17-AAA9-0CCDD7DC0F34}"/>
-              </a:ext>
-            </a:extLst>
-          </p:cNvPr>
-          <p:cNvPicPr>
-            <a:picLocks noChangeAspect="1"/>
-          </p:cNvPicPr>
-          <p:nvPr/>
-        </p:nvPicPr>
-        <p:blipFill>
-          <a:blip r:embed="rId2"/>
-          <a:stretch>
-            <a:fillRect/>
-          </a:stretch>
-        </p:blipFill>
-        <p:spPr>
-          <a:xfrm>
-            <a:off x="6877115" y="1385081"/>
-            <a:ext cx="4674298" cy="1642321"/>
-          </a:xfrm>
-          <a:prstGeom prst="rect">
-            <a:avLst/>
-          </a:prstGeom>
-        </p:spPr>
-      </p:pic>
-      <p:pic>
-        <p:nvPicPr>
-          <p:cNvPr id="13" name="Picture 2" descr="Wings and lift — Science Learning Hub">
-            <a:extLst>
-              <a:ext uri="{FF2B5EF4-FFF2-40B4-BE49-F238E27FC236}">
-                <a16:creationId xmlns:a16="http://schemas.microsoft.com/office/drawing/2014/main" id="{9363174F-913F-4DC2-8076-741E2E0E0314}"/>
+          <p:cNvPr id="4" name="Picture 2" descr="What Is Fluid Dynamics? | Live Science">
+            <a:extLst>
+              <a:ext uri="{FF2B5EF4-FFF2-40B4-BE49-F238E27FC236}">
+                <a16:creationId xmlns:a16="http://schemas.microsoft.com/office/drawing/2014/main" id="{35696254-24E3-4756-8A83-1D77C77E7373}"/>
               </a:ext>
             </a:extLst>
           </p:cNvPr>
@@ -3518,21 +3492,23 @@
           </p:cNvPicPr>
           <p:nvPr/>
         </p:nvPicPr>
-        <p:blipFill rotWithShape="1">
-          <a:blip r:embed="rId3">
+        <p:blipFill>
+          <a:blip r:embed="rId2">
             <a:extLst>
               <a:ext uri="{28A0092B-C50C-407E-A947-70E740481C1C}">
                 <a14:useLocalDpi xmlns:a14="http://schemas.microsoft.com/office/drawing/2010/main" val="0"/>
               </a:ext>
             </a:extLst>
           </a:blip>
-          <a:srcRect b="29415"/>
-          <a:stretch/>
+          <a:srcRect/>
+          <a:stretch>
+            <a:fillRect/>
+          </a:stretch>
         </p:blipFill>
         <p:spPr bwMode="auto">
           <a:xfrm>
-            <a:off x="539121" y="2042643"/>
-            <a:ext cx="4294498" cy="1747679"/>
+            <a:off x="2856064" y="1911378"/>
+            <a:ext cx="6858000" cy="3448050"/>
           </a:xfrm>
           <a:prstGeom prst="rect">
             <a:avLst/>
@@ -3549,208 +3525,12 @@
           </a:extLst>
         </p:spPr>
       </p:pic>
-      <p:pic>
-        <p:nvPicPr>
-          <p:cNvPr id="14" name="Picture 4" descr="Products">
-            <a:extLst>
-              <a:ext uri="{FF2B5EF4-FFF2-40B4-BE49-F238E27FC236}">
-                <a16:creationId xmlns:a16="http://schemas.microsoft.com/office/drawing/2014/main" id="{0F8508AC-D47E-494F-A535-27A6C378270C}"/>
-              </a:ext>
-            </a:extLst>
-          </p:cNvPr>
-          <p:cNvPicPr>
-            <a:picLocks noChangeAspect="1" noChangeArrowheads="1"/>
-          </p:cNvPicPr>
-          <p:nvPr/>
-        </p:nvPicPr>
-        <p:blipFill>
-          <a:blip r:embed="rId4">
-            <a:extLst>
-              <a:ext uri="{28A0092B-C50C-407E-A947-70E740481C1C}">
-                <a14:useLocalDpi xmlns:a14="http://schemas.microsoft.com/office/drawing/2010/main" val="0"/>
-              </a:ext>
-            </a:extLst>
-          </a:blip>
-          <a:srcRect/>
-          <a:stretch>
-            <a:fillRect/>
-          </a:stretch>
-        </p:blipFill>
-        <p:spPr bwMode="auto">
-          <a:xfrm>
-            <a:off x="695016" y="4355551"/>
-            <a:ext cx="3556390" cy="2298700"/>
-          </a:xfrm>
-          <a:prstGeom prst="rect">
-            <a:avLst/>
-          </a:prstGeom>
-          <a:noFill/>
-          <a:extLst>
-            <a:ext uri="{909E8E84-426E-40DD-AFC4-6F175D3DCCD1}">
-              <a14:hiddenFill xmlns:a14="http://schemas.microsoft.com/office/drawing/2010/main">
-                <a:solidFill>
-                  <a:srgbClr val="FFFFFF"/>
-                </a:solidFill>
-              </a14:hiddenFill>
-            </a:ext>
-          </a:extLst>
-        </p:spPr>
-      </p:pic>
-      <p:sp>
-        <p:nvSpPr>
-          <p:cNvPr id="15" name="TextBox 14">
-            <a:extLst>
-              <a:ext uri="{FF2B5EF4-FFF2-40B4-BE49-F238E27FC236}">
-                <a16:creationId xmlns:a16="http://schemas.microsoft.com/office/drawing/2014/main" id="{EA4FBE4B-5EEA-4CF3-97E8-9E612F198CAB}"/>
-              </a:ext>
-            </a:extLst>
-          </p:cNvPr>
-          <p:cNvSpPr txBox="1"/>
-          <p:nvPr/>
-        </p:nvSpPr>
-        <p:spPr>
-          <a:xfrm>
-            <a:off x="2536329" y="3790322"/>
-            <a:ext cx="439544" cy="707886"/>
-          </a:xfrm>
-          <a:prstGeom prst="rect">
-            <a:avLst/>
-          </a:prstGeom>
-          <a:noFill/>
-        </p:spPr>
-        <p:txBody>
-          <a:bodyPr wrap="none" rtlCol="0">
-            <a:spAutoFit/>
-          </a:bodyPr>
-          <a:lstStyle/>
-          <a:p>
-            <a:r>
-              <a:rPr lang="en-US" sz="4000" b="1" dirty="0">
-                <a:solidFill>
-                  <a:srgbClr val="FF0000"/>
-                </a:solidFill>
-              </a:rPr>
-              <a:t>+</a:t>
-            </a:r>
-            <a:endParaRPr lang="en-GB" sz="4000" b="1" dirty="0">
-              <a:solidFill>
-                <a:srgbClr val="FF0000"/>
-              </a:solidFill>
-            </a:endParaRPr>
-          </a:p>
-        </p:txBody>
-      </p:sp>
-      <p:sp>
-        <p:nvSpPr>
-          <p:cNvPr id="16" name="TextBox 15">
-            <a:extLst>
-              <a:ext uri="{FF2B5EF4-FFF2-40B4-BE49-F238E27FC236}">
-                <a16:creationId xmlns:a16="http://schemas.microsoft.com/office/drawing/2014/main" id="{0BEFE0F3-92AD-434A-9687-50E3596AEF21}"/>
-              </a:ext>
-            </a:extLst>
-          </p:cNvPr>
-          <p:cNvSpPr txBox="1"/>
-          <p:nvPr/>
-        </p:nvSpPr>
-        <p:spPr>
-          <a:xfrm>
-            <a:off x="5656812" y="4355551"/>
-            <a:ext cx="439544" cy="707886"/>
-          </a:xfrm>
-          <a:prstGeom prst="rect">
-            <a:avLst/>
-          </a:prstGeom>
-          <a:noFill/>
-        </p:spPr>
-        <p:txBody>
-          <a:bodyPr wrap="none" rtlCol="0">
-            <a:spAutoFit/>
-          </a:bodyPr>
-          <a:lstStyle/>
-          <a:p>
-            <a:r>
-              <a:rPr lang="en-US" sz="4000" b="1" dirty="0">
-                <a:solidFill>
-                  <a:srgbClr val="FF0000"/>
-                </a:solidFill>
-              </a:rPr>
-              <a:t>=</a:t>
-            </a:r>
-            <a:endParaRPr lang="en-GB" sz="4000" b="1" dirty="0">
-              <a:solidFill>
-                <a:srgbClr val="FF0000"/>
-              </a:solidFill>
-            </a:endParaRPr>
-          </a:p>
-        </p:txBody>
-      </p:sp>
-      <p:pic>
-        <p:nvPicPr>
-          <p:cNvPr id="24" name="Picture 2" descr="How Do I Know the Difference Between Basic Trainers &amp; Aerobatic Trainers? |  AMA Flight School">
-            <a:extLst>
-              <a:ext uri="{FF2B5EF4-FFF2-40B4-BE49-F238E27FC236}">
-                <a16:creationId xmlns:a16="http://schemas.microsoft.com/office/drawing/2014/main" id="{F1818DD0-486F-4D2E-A431-1F3B4BDC6189}"/>
-              </a:ext>
-            </a:extLst>
-          </p:cNvPr>
-          <p:cNvPicPr>
-            <a:picLocks noChangeAspect="1" noChangeArrowheads="1"/>
-          </p:cNvPicPr>
-          <p:nvPr/>
-        </p:nvPicPr>
-        <p:blipFill rotWithShape="1">
-          <a:blip r:embed="rId5">
-            <a:duotone>
-              <a:prstClr val="black"/>
-              <a:schemeClr val="tx2">
-                <a:tint val="45000"/>
-                <a:satMod val="400000"/>
-              </a:schemeClr>
-            </a:duotone>
-            <a:extLst>
-              <a:ext uri="{BEBA8EAE-BF5A-486C-A8C5-ECC9F3942E4B}">
-                <a14:imgProps xmlns:a14="http://schemas.microsoft.com/office/drawing/2010/main">
-                  <a14:imgLayer r:embed="rId6">
-                    <a14:imgEffect>
-                      <a14:brightnessContrast bright="-40000" contrast="-40000"/>
-                    </a14:imgEffect>
-                  </a14:imgLayer>
-                </a14:imgProps>
-              </a:ext>
-              <a:ext uri="{28A0092B-C50C-407E-A947-70E740481C1C}">
-                <a14:useLocalDpi xmlns:a14="http://schemas.microsoft.com/office/drawing/2010/main" val="0"/>
-              </a:ext>
-            </a:extLst>
-          </a:blip>
-          <a:srcRect t="27953" b="42651"/>
-          <a:stretch/>
-        </p:blipFill>
-        <p:spPr bwMode="auto">
-          <a:xfrm rot="322740">
-            <a:off x="6254071" y="4063235"/>
-            <a:ext cx="5874066" cy="1096493"/>
-          </a:xfrm>
-          <a:prstGeom prst="rect">
-            <a:avLst/>
-          </a:prstGeom>
-          <a:noFill/>
-          <a:extLst>
-            <a:ext uri="{909E8E84-426E-40DD-AFC4-6F175D3DCCD1}">
-              <a14:hiddenFill xmlns:a14="http://schemas.microsoft.com/office/drawing/2010/main">
-                <a:solidFill>
-                  <a:srgbClr val="FFFFFF"/>
-                </a:solidFill>
-              </a14:hiddenFill>
-            </a:ext>
-          </a:extLst>
-        </p:spPr>
-      </p:pic>
       <p:cxnSp>
         <p:nvCxnSpPr>
-          <p:cNvPr id="29" name="Straight Arrow Connector 28">
-            <a:extLst>
-              <a:ext uri="{FF2B5EF4-FFF2-40B4-BE49-F238E27FC236}">
-                <a16:creationId xmlns:a16="http://schemas.microsoft.com/office/drawing/2014/main" id="{9A33677C-6C79-4051-9F7F-AAD918853090}"/>
+          <p:cNvPr id="5" name="Straight Arrow Connector 4">
+            <a:extLst>
+              <a:ext uri="{FF2B5EF4-FFF2-40B4-BE49-F238E27FC236}">
+                <a16:creationId xmlns:a16="http://schemas.microsoft.com/office/drawing/2014/main" id="{81120B7B-BBA1-4798-B59A-BE95313B8D1A}"/>
               </a:ext>
             </a:extLst>
           </p:cNvPr>
@@ -3760,9 +3540,9 @@
           <p:nvPr/>
         </p:nvCxnSpPr>
         <p:spPr>
-          <a:xfrm flipV="1">
-            <a:off x="9191104" y="4144265"/>
-            <a:ext cx="1514996" cy="483094"/>
+          <a:xfrm flipH="1" flipV="1">
+            <a:off x="6413500" y="3644900"/>
+            <a:ext cx="723900" cy="2184400"/>
           </a:xfrm>
           <a:prstGeom prst="straightConnector1">
             <a:avLst/>
@@ -3791,10 +3571,10 @@
       </p:cxnSp>
       <p:sp>
         <p:nvSpPr>
-          <p:cNvPr id="31" name="TextBox 30">
-            <a:extLst>
-              <a:ext uri="{FF2B5EF4-FFF2-40B4-BE49-F238E27FC236}">
-                <a16:creationId xmlns:a16="http://schemas.microsoft.com/office/drawing/2014/main" id="{52B13F8B-4858-4650-BAD0-58C79B6AF109}"/>
+          <p:cNvPr id="8" name="TextBox 7">
+            <a:extLst>
+              <a:ext uri="{FF2B5EF4-FFF2-40B4-BE49-F238E27FC236}">
+                <a16:creationId xmlns:a16="http://schemas.microsoft.com/office/drawing/2014/main" id="{B7445940-B293-4C95-B950-588C682BEBAB}"/>
               </a:ext>
             </a:extLst>
           </p:cNvPr>
@@ -3803,8 +3583,8 @@
         </p:nvSpPr>
         <p:spPr>
           <a:xfrm>
-            <a:off x="9948602" y="3605655"/>
-            <a:ext cx="1602811" cy="369332"/>
+            <a:off x="6585451" y="5956300"/>
+            <a:ext cx="3176575" cy="369332"/>
           </a:xfrm>
           <a:prstGeom prst="rect">
             <a:avLst/>
@@ -3819,7 +3599,7 @@
           <a:p>
             <a:r>
               <a:rPr lang="en-US" b="1" dirty="0"/>
-              <a:t>Resulting force</a:t>
+              <a:t>Low pressure separation region</a:t>
             </a:r>
             <a:endParaRPr lang="en-GB" b="1" dirty="0"/>
           </a:p>
@@ -3828,7 +3608,7 @@
     </p:spTree>
     <p:extLst>
       <p:ext uri="{BB962C8B-B14F-4D97-AF65-F5344CB8AC3E}">
-        <p14:creationId xmlns:p14="http://schemas.microsoft.com/office/powerpoint/2010/main" val="2249051926"/>
+        <p14:creationId xmlns:p14="http://schemas.microsoft.com/office/powerpoint/2010/main" val="672912992"/>
       </p:ext>
     </p:extLst>
   </p:cSld>
@@ -3883,18 +3663,770 @@
           <a:p>
             <a:r>
               <a:rPr lang="en-US" dirty="0"/>
-              <a:t>Laminar, turbulent flow and vortices</a:t>
+              <a:t>Which do you think is more significant (pressure or friction drag?) </a:t>
             </a:r>
             <a:endParaRPr lang="en-GB" dirty="0"/>
           </a:p>
         </p:txBody>
       </p:sp>
+      <p:cxnSp>
+        <p:nvCxnSpPr>
+          <p:cNvPr id="5" name="Straight Arrow Connector 4">
+            <a:extLst>
+              <a:ext uri="{FF2B5EF4-FFF2-40B4-BE49-F238E27FC236}">
+                <a16:creationId xmlns:a16="http://schemas.microsoft.com/office/drawing/2014/main" id="{81120B7B-BBA1-4798-B59A-BE95313B8D1A}"/>
+              </a:ext>
+            </a:extLst>
+          </p:cNvPr>
+          <p:cNvCxnSpPr>
+            <a:cxnSpLocks/>
+          </p:cNvCxnSpPr>
+          <p:nvPr/>
+        </p:nvCxnSpPr>
+        <p:spPr>
+          <a:xfrm>
+            <a:off x="2000250" y="5164657"/>
+            <a:ext cx="1943100" cy="0"/>
+          </a:xfrm>
+          <a:prstGeom prst="straightConnector1">
+            <a:avLst/>
+          </a:prstGeom>
+          <a:ln w="76200">
+            <a:solidFill>
+              <a:srgbClr val="FF0000"/>
+            </a:solidFill>
+            <a:tailEnd type="triangle"/>
+          </a:ln>
+        </p:spPr>
+        <p:style>
+          <a:lnRef idx="1">
+            <a:schemeClr val="accent1"/>
+          </a:lnRef>
+          <a:fillRef idx="0">
+            <a:schemeClr val="accent1"/>
+          </a:fillRef>
+          <a:effectRef idx="0">
+            <a:schemeClr val="accent1"/>
+          </a:effectRef>
+          <a:fontRef idx="minor">
+            <a:schemeClr val="tx1"/>
+          </a:fontRef>
+        </p:style>
+      </p:cxnSp>
+      <p:cxnSp>
+        <p:nvCxnSpPr>
+          <p:cNvPr id="7" name="Straight Arrow Connector 6">
+            <a:extLst>
+              <a:ext uri="{FF2B5EF4-FFF2-40B4-BE49-F238E27FC236}">
+                <a16:creationId xmlns:a16="http://schemas.microsoft.com/office/drawing/2014/main" id="{68523F7A-3C15-47D3-9D14-3077E23489BE}"/>
+              </a:ext>
+            </a:extLst>
+          </p:cNvPr>
+          <p:cNvCxnSpPr>
+            <a:cxnSpLocks/>
+          </p:cNvCxnSpPr>
+          <p:nvPr/>
+        </p:nvCxnSpPr>
+        <p:spPr>
+          <a:xfrm>
+            <a:off x="2000250" y="4466157"/>
+            <a:ext cx="1943100" cy="0"/>
+          </a:xfrm>
+          <a:prstGeom prst="straightConnector1">
+            <a:avLst/>
+          </a:prstGeom>
+          <a:ln w="76200">
+            <a:solidFill>
+              <a:srgbClr val="FF0000"/>
+            </a:solidFill>
+            <a:tailEnd type="triangle"/>
+          </a:ln>
+        </p:spPr>
+        <p:style>
+          <a:lnRef idx="1">
+            <a:schemeClr val="accent1"/>
+          </a:lnRef>
+          <a:fillRef idx="0">
+            <a:schemeClr val="accent1"/>
+          </a:fillRef>
+          <a:effectRef idx="0">
+            <a:schemeClr val="accent1"/>
+          </a:effectRef>
+          <a:fontRef idx="minor">
+            <a:schemeClr val="tx1"/>
+          </a:fontRef>
+        </p:style>
+      </p:cxnSp>
+      <p:cxnSp>
+        <p:nvCxnSpPr>
+          <p:cNvPr id="9" name="Straight Arrow Connector 8">
+            <a:extLst>
+              <a:ext uri="{FF2B5EF4-FFF2-40B4-BE49-F238E27FC236}">
+                <a16:creationId xmlns:a16="http://schemas.microsoft.com/office/drawing/2014/main" id="{CB04380A-7012-499C-B96B-07BB81F23D8C}"/>
+              </a:ext>
+            </a:extLst>
+          </p:cNvPr>
+          <p:cNvCxnSpPr>
+            <a:cxnSpLocks/>
+          </p:cNvCxnSpPr>
+          <p:nvPr/>
+        </p:nvCxnSpPr>
+        <p:spPr>
+          <a:xfrm>
+            <a:off x="1779850" y="3491570"/>
+            <a:ext cx="1943100" cy="0"/>
+          </a:xfrm>
+          <a:prstGeom prst="straightConnector1">
+            <a:avLst/>
+          </a:prstGeom>
+          <a:ln w="76200">
+            <a:solidFill>
+              <a:srgbClr val="FF0000"/>
+            </a:solidFill>
+            <a:tailEnd type="triangle"/>
+          </a:ln>
+        </p:spPr>
+        <p:style>
+          <a:lnRef idx="1">
+            <a:schemeClr val="accent1"/>
+          </a:lnRef>
+          <a:fillRef idx="0">
+            <a:schemeClr val="accent1"/>
+          </a:fillRef>
+          <a:effectRef idx="0">
+            <a:schemeClr val="accent1"/>
+          </a:effectRef>
+          <a:fontRef idx="minor">
+            <a:schemeClr val="tx1"/>
+          </a:fontRef>
+        </p:style>
+      </p:cxnSp>
+      <p:cxnSp>
+        <p:nvCxnSpPr>
+          <p:cNvPr id="10" name="Straight Arrow Connector 9">
+            <a:extLst>
+              <a:ext uri="{FF2B5EF4-FFF2-40B4-BE49-F238E27FC236}">
+                <a16:creationId xmlns:a16="http://schemas.microsoft.com/office/drawing/2014/main" id="{D2EE3ABC-37D4-46C4-A24E-7363C3FC9F2E}"/>
+              </a:ext>
+            </a:extLst>
+          </p:cNvPr>
+          <p:cNvCxnSpPr>
+            <a:cxnSpLocks/>
+          </p:cNvCxnSpPr>
+          <p:nvPr/>
+        </p:nvCxnSpPr>
+        <p:spPr>
+          <a:xfrm>
+            <a:off x="2000250" y="2827857"/>
+            <a:ext cx="2301406" cy="0"/>
+          </a:xfrm>
+          <a:prstGeom prst="straightConnector1">
+            <a:avLst/>
+          </a:prstGeom>
+          <a:ln w="76200">
+            <a:solidFill>
+              <a:srgbClr val="FF0000"/>
+            </a:solidFill>
+            <a:tailEnd type="triangle"/>
+          </a:ln>
+        </p:spPr>
+        <p:style>
+          <a:lnRef idx="1">
+            <a:schemeClr val="accent1"/>
+          </a:lnRef>
+          <a:fillRef idx="0">
+            <a:schemeClr val="accent1"/>
+          </a:fillRef>
+          <a:effectRef idx="0">
+            <a:schemeClr val="accent1"/>
+          </a:effectRef>
+          <a:fontRef idx="minor">
+            <a:schemeClr val="tx1"/>
+          </a:fontRef>
+        </p:style>
+      </p:cxnSp>
+      <p:sp>
+        <p:nvSpPr>
+          <p:cNvPr id="3" name="Rectangle 2">
+            <a:extLst>
+              <a:ext uri="{FF2B5EF4-FFF2-40B4-BE49-F238E27FC236}">
+                <a16:creationId xmlns:a16="http://schemas.microsoft.com/office/drawing/2014/main" id="{D28CE5B7-FC84-4DB9-9FE4-388DF5B07514}"/>
+              </a:ext>
+            </a:extLst>
+          </p:cNvPr>
+          <p:cNvSpPr/>
+          <p:nvPr/>
+        </p:nvSpPr>
+        <p:spPr>
+          <a:xfrm>
+            <a:off x="3363402" y="3204614"/>
+            <a:ext cx="4789998" cy="93140"/>
+          </a:xfrm>
+          <a:prstGeom prst="rect">
+            <a:avLst/>
+          </a:prstGeom>
+        </p:spPr>
+        <p:style>
+          <a:lnRef idx="2">
+            <a:schemeClr val="accent1">
+              <a:shade val="50000"/>
+            </a:schemeClr>
+          </a:lnRef>
+          <a:fillRef idx="1">
+            <a:schemeClr val="accent1"/>
+          </a:fillRef>
+          <a:effectRef idx="0">
+            <a:schemeClr val="accent1"/>
+          </a:effectRef>
+          <a:fontRef idx="minor">
+            <a:schemeClr val="lt1"/>
+          </a:fontRef>
+        </p:style>
+        <p:txBody>
+          <a:bodyPr rtlCol="0" anchor="ctr"/>
+          <a:lstStyle/>
+          <a:p>
+            <a:pPr algn="ctr"/>
+            <a:endParaRPr lang="en-GB"/>
+          </a:p>
+        </p:txBody>
+      </p:sp>
+      <p:sp>
+        <p:nvSpPr>
+          <p:cNvPr id="11" name="Rectangle 10">
+            <a:extLst>
+              <a:ext uri="{FF2B5EF4-FFF2-40B4-BE49-F238E27FC236}">
+                <a16:creationId xmlns:a16="http://schemas.microsoft.com/office/drawing/2014/main" id="{B722A33A-2785-4D31-BE34-C349151A50A9}"/>
+              </a:ext>
+            </a:extLst>
+          </p:cNvPr>
+          <p:cNvSpPr/>
+          <p:nvPr/>
+        </p:nvSpPr>
+        <p:spPr>
+          <a:xfrm>
+            <a:off x="6546850" y="4135959"/>
+            <a:ext cx="641160" cy="1767659"/>
+          </a:xfrm>
+          <a:prstGeom prst="rect">
+            <a:avLst/>
+          </a:prstGeom>
+        </p:spPr>
+        <p:style>
+          <a:lnRef idx="2">
+            <a:schemeClr val="accent1">
+              <a:shade val="50000"/>
+            </a:schemeClr>
+          </a:lnRef>
+          <a:fillRef idx="1">
+            <a:schemeClr val="accent1"/>
+          </a:fillRef>
+          <a:effectRef idx="0">
+            <a:schemeClr val="accent1"/>
+          </a:effectRef>
+          <a:fontRef idx="minor">
+            <a:schemeClr val="lt1"/>
+          </a:fontRef>
+        </p:style>
+        <p:txBody>
+          <a:bodyPr rtlCol="0" anchor="ctr"/>
+          <a:lstStyle/>
+          <a:p>
+            <a:pPr algn="ctr"/>
+            <a:endParaRPr lang="en-GB"/>
+          </a:p>
+        </p:txBody>
+      </p:sp>
+      <p:cxnSp>
+        <p:nvCxnSpPr>
+          <p:cNvPr id="12" name="Straight Arrow Connector 11">
+            <a:extLst>
+              <a:ext uri="{FF2B5EF4-FFF2-40B4-BE49-F238E27FC236}">
+                <a16:creationId xmlns:a16="http://schemas.microsoft.com/office/drawing/2014/main" id="{601EB38A-A623-4A5A-92B5-625550357ABD}"/>
+              </a:ext>
+            </a:extLst>
+          </p:cNvPr>
+          <p:cNvCxnSpPr>
+            <a:cxnSpLocks/>
+          </p:cNvCxnSpPr>
+          <p:nvPr/>
+        </p:nvCxnSpPr>
+        <p:spPr>
+          <a:xfrm>
+            <a:off x="2000250" y="6015557"/>
+            <a:ext cx="1943100" cy="0"/>
+          </a:xfrm>
+          <a:prstGeom prst="straightConnector1">
+            <a:avLst/>
+          </a:prstGeom>
+          <a:ln w="76200">
+            <a:solidFill>
+              <a:srgbClr val="FF0000"/>
+            </a:solidFill>
+            <a:tailEnd type="triangle"/>
+          </a:ln>
+        </p:spPr>
+        <p:style>
+          <a:lnRef idx="1">
+            <a:schemeClr val="accent1"/>
+          </a:lnRef>
+          <a:fillRef idx="0">
+            <a:schemeClr val="accent1"/>
+          </a:fillRef>
+          <a:effectRef idx="0">
+            <a:schemeClr val="accent1"/>
+          </a:effectRef>
+          <a:fontRef idx="minor">
+            <a:schemeClr val="tx1"/>
+          </a:fontRef>
+        </p:style>
+      </p:cxnSp>
+      <p:cxnSp>
+        <p:nvCxnSpPr>
+          <p:cNvPr id="13" name="Straight Arrow Connector 12">
+            <a:extLst>
+              <a:ext uri="{FF2B5EF4-FFF2-40B4-BE49-F238E27FC236}">
+                <a16:creationId xmlns:a16="http://schemas.microsoft.com/office/drawing/2014/main" id="{71A11442-DD6B-4609-89F6-1F6639590BC9}"/>
+              </a:ext>
+            </a:extLst>
+          </p:cNvPr>
+          <p:cNvCxnSpPr>
+            <a:cxnSpLocks/>
+          </p:cNvCxnSpPr>
+          <p:nvPr/>
+        </p:nvCxnSpPr>
+        <p:spPr>
+          <a:xfrm>
+            <a:off x="4502150" y="5825057"/>
+            <a:ext cx="1943100" cy="0"/>
+          </a:xfrm>
+          <a:prstGeom prst="straightConnector1">
+            <a:avLst/>
+          </a:prstGeom>
+          <a:ln w="76200">
+            <a:solidFill>
+              <a:srgbClr val="FF0000"/>
+            </a:solidFill>
+            <a:tailEnd type="triangle"/>
+          </a:ln>
+        </p:spPr>
+        <p:style>
+          <a:lnRef idx="1">
+            <a:schemeClr val="accent1"/>
+          </a:lnRef>
+          <a:fillRef idx="0">
+            <a:schemeClr val="accent1"/>
+          </a:fillRef>
+          <a:effectRef idx="0">
+            <a:schemeClr val="accent1"/>
+          </a:effectRef>
+          <a:fontRef idx="minor">
+            <a:schemeClr val="tx1"/>
+          </a:fontRef>
+        </p:style>
+      </p:cxnSp>
+      <p:cxnSp>
+        <p:nvCxnSpPr>
+          <p:cNvPr id="14" name="Straight Arrow Connector 13">
+            <a:extLst>
+              <a:ext uri="{FF2B5EF4-FFF2-40B4-BE49-F238E27FC236}">
+                <a16:creationId xmlns:a16="http://schemas.microsoft.com/office/drawing/2014/main" id="{86D85714-EDC4-4D29-BAE0-4A4C179083A3}"/>
+              </a:ext>
+            </a:extLst>
+          </p:cNvPr>
+          <p:cNvCxnSpPr>
+            <a:cxnSpLocks/>
+          </p:cNvCxnSpPr>
+          <p:nvPr/>
+        </p:nvCxnSpPr>
+        <p:spPr>
+          <a:xfrm>
+            <a:off x="4603750" y="4262957"/>
+            <a:ext cx="1943100" cy="0"/>
+          </a:xfrm>
+          <a:prstGeom prst="straightConnector1">
+            <a:avLst/>
+          </a:prstGeom>
+          <a:ln w="76200">
+            <a:solidFill>
+              <a:srgbClr val="FF0000"/>
+            </a:solidFill>
+            <a:tailEnd type="triangle"/>
+          </a:ln>
+        </p:spPr>
+        <p:style>
+          <a:lnRef idx="1">
+            <a:schemeClr val="accent1"/>
+          </a:lnRef>
+          <a:fillRef idx="0">
+            <a:schemeClr val="accent1"/>
+          </a:fillRef>
+          <a:effectRef idx="0">
+            <a:schemeClr val="accent1"/>
+          </a:effectRef>
+          <a:fontRef idx="minor">
+            <a:schemeClr val="tx1"/>
+          </a:fontRef>
+        </p:style>
+      </p:cxnSp>
+      <p:cxnSp>
+        <p:nvCxnSpPr>
+          <p:cNvPr id="15" name="Straight Arrow Connector 14">
+            <a:extLst>
+              <a:ext uri="{FF2B5EF4-FFF2-40B4-BE49-F238E27FC236}">
+                <a16:creationId xmlns:a16="http://schemas.microsoft.com/office/drawing/2014/main" id="{FCEFCC7F-03DA-43EE-B423-62053A29EAE5}"/>
+              </a:ext>
+            </a:extLst>
+          </p:cNvPr>
+          <p:cNvCxnSpPr>
+            <a:cxnSpLocks/>
+          </p:cNvCxnSpPr>
+          <p:nvPr/>
+        </p:nvCxnSpPr>
+        <p:spPr>
+          <a:xfrm>
+            <a:off x="3943350" y="4821757"/>
+            <a:ext cx="1943100" cy="0"/>
+          </a:xfrm>
+          <a:prstGeom prst="straightConnector1">
+            <a:avLst/>
+          </a:prstGeom>
+          <a:ln w="76200">
+            <a:solidFill>
+              <a:srgbClr val="FF0000"/>
+            </a:solidFill>
+            <a:tailEnd type="triangle"/>
+          </a:ln>
+        </p:spPr>
+        <p:style>
+          <a:lnRef idx="1">
+            <a:schemeClr val="accent1"/>
+          </a:lnRef>
+          <a:fillRef idx="0">
+            <a:schemeClr val="accent1"/>
+          </a:fillRef>
+          <a:effectRef idx="0">
+            <a:schemeClr val="accent1"/>
+          </a:effectRef>
+          <a:fontRef idx="minor">
+            <a:schemeClr val="tx1"/>
+          </a:fontRef>
+        </p:style>
+      </p:cxnSp>
+      <p:cxnSp>
+        <p:nvCxnSpPr>
+          <p:cNvPr id="16" name="Straight Arrow Connector 15">
+            <a:extLst>
+              <a:ext uri="{FF2B5EF4-FFF2-40B4-BE49-F238E27FC236}">
+                <a16:creationId xmlns:a16="http://schemas.microsoft.com/office/drawing/2014/main" id="{38B71904-E529-43E8-8A75-BA45A74574D2}"/>
+              </a:ext>
+            </a:extLst>
+          </p:cNvPr>
+          <p:cNvCxnSpPr>
+            <a:cxnSpLocks/>
+          </p:cNvCxnSpPr>
+          <p:nvPr/>
+        </p:nvCxnSpPr>
+        <p:spPr>
+          <a:xfrm>
+            <a:off x="4603750" y="3780357"/>
+            <a:ext cx="1943100" cy="0"/>
+          </a:xfrm>
+          <a:prstGeom prst="straightConnector1">
+            <a:avLst/>
+          </a:prstGeom>
+          <a:ln w="76200">
+            <a:solidFill>
+              <a:srgbClr val="FF0000"/>
+            </a:solidFill>
+            <a:tailEnd type="triangle"/>
+          </a:ln>
+        </p:spPr>
+        <p:style>
+          <a:lnRef idx="1">
+            <a:schemeClr val="accent1"/>
+          </a:lnRef>
+          <a:fillRef idx="0">
+            <a:schemeClr val="accent1"/>
+          </a:fillRef>
+          <a:effectRef idx="0">
+            <a:schemeClr val="accent1"/>
+          </a:effectRef>
+          <a:fontRef idx="minor">
+            <a:schemeClr val="tx1"/>
+          </a:fontRef>
+        </p:style>
+      </p:cxnSp>
+      <p:cxnSp>
+        <p:nvCxnSpPr>
+          <p:cNvPr id="17" name="Straight Arrow Connector 16">
+            <a:extLst>
+              <a:ext uri="{FF2B5EF4-FFF2-40B4-BE49-F238E27FC236}">
+                <a16:creationId xmlns:a16="http://schemas.microsoft.com/office/drawing/2014/main" id="{DE580D76-6181-411A-92C5-A7E41B8AA1CA}"/>
+              </a:ext>
+            </a:extLst>
+          </p:cNvPr>
+          <p:cNvCxnSpPr>
+            <a:cxnSpLocks/>
+          </p:cNvCxnSpPr>
+          <p:nvPr/>
+        </p:nvCxnSpPr>
+        <p:spPr>
+          <a:xfrm>
+            <a:off x="5429250" y="2827857"/>
+            <a:ext cx="1943100" cy="0"/>
+          </a:xfrm>
+          <a:prstGeom prst="straightConnector1">
+            <a:avLst/>
+          </a:prstGeom>
+          <a:ln w="76200">
+            <a:solidFill>
+              <a:srgbClr val="FF0000"/>
+            </a:solidFill>
+            <a:tailEnd type="triangle"/>
+          </a:ln>
+        </p:spPr>
+        <p:style>
+          <a:lnRef idx="1">
+            <a:schemeClr val="accent1"/>
+          </a:lnRef>
+          <a:fillRef idx="0">
+            <a:schemeClr val="accent1"/>
+          </a:fillRef>
+          <a:effectRef idx="0">
+            <a:schemeClr val="accent1"/>
+          </a:effectRef>
+          <a:fontRef idx="minor">
+            <a:schemeClr val="tx1"/>
+          </a:fontRef>
+        </p:style>
+      </p:cxnSp>
+      <p:cxnSp>
+        <p:nvCxnSpPr>
+          <p:cNvPr id="18" name="Straight Arrow Connector 17">
+            <a:extLst>
+              <a:ext uri="{FF2B5EF4-FFF2-40B4-BE49-F238E27FC236}">
+                <a16:creationId xmlns:a16="http://schemas.microsoft.com/office/drawing/2014/main" id="{F2BD4499-A70C-4770-82A8-79D81CBEE0FE}"/>
+              </a:ext>
+            </a:extLst>
+          </p:cNvPr>
+          <p:cNvCxnSpPr>
+            <a:cxnSpLocks/>
+          </p:cNvCxnSpPr>
+          <p:nvPr/>
+        </p:nvCxnSpPr>
+        <p:spPr>
+          <a:xfrm>
+            <a:off x="6997700" y="3674514"/>
+            <a:ext cx="1943100" cy="0"/>
+          </a:xfrm>
+          <a:prstGeom prst="straightConnector1">
+            <a:avLst/>
+          </a:prstGeom>
+          <a:ln w="76200">
+            <a:solidFill>
+              <a:srgbClr val="FF0000"/>
+            </a:solidFill>
+            <a:tailEnd type="triangle"/>
+          </a:ln>
+        </p:spPr>
+        <p:style>
+          <a:lnRef idx="1">
+            <a:schemeClr val="accent1"/>
+          </a:lnRef>
+          <a:fillRef idx="0">
+            <a:schemeClr val="accent1"/>
+          </a:fillRef>
+          <a:effectRef idx="0">
+            <a:schemeClr val="accent1"/>
+          </a:effectRef>
+          <a:fontRef idx="minor">
+            <a:schemeClr val="tx1"/>
+          </a:fontRef>
+        </p:style>
+      </p:cxnSp>
+      <p:cxnSp>
+        <p:nvCxnSpPr>
+          <p:cNvPr id="19" name="Straight Arrow Connector 18">
+            <a:extLst>
+              <a:ext uri="{FF2B5EF4-FFF2-40B4-BE49-F238E27FC236}">
+                <a16:creationId xmlns:a16="http://schemas.microsoft.com/office/drawing/2014/main" id="{AAE67704-C5A5-4CE2-84B8-3BC285420B02}"/>
+              </a:ext>
+            </a:extLst>
+          </p:cNvPr>
+          <p:cNvCxnSpPr>
+            <a:cxnSpLocks/>
+          </p:cNvCxnSpPr>
+          <p:nvPr/>
+        </p:nvCxnSpPr>
+        <p:spPr>
+          <a:xfrm>
+            <a:off x="7442200" y="4419571"/>
+            <a:ext cx="1943100" cy="0"/>
+          </a:xfrm>
+          <a:prstGeom prst="straightConnector1">
+            <a:avLst/>
+          </a:prstGeom>
+          <a:ln w="76200">
+            <a:solidFill>
+              <a:srgbClr val="FF0000"/>
+            </a:solidFill>
+            <a:tailEnd type="triangle"/>
+          </a:ln>
+        </p:spPr>
+        <p:style>
+          <a:lnRef idx="1">
+            <a:schemeClr val="accent1"/>
+          </a:lnRef>
+          <a:fillRef idx="0">
+            <a:schemeClr val="accent1"/>
+          </a:fillRef>
+          <a:effectRef idx="0">
+            <a:schemeClr val="accent1"/>
+          </a:effectRef>
+          <a:fontRef idx="minor">
+            <a:schemeClr val="tx1"/>
+          </a:fontRef>
+        </p:style>
+      </p:cxnSp>
+      <p:cxnSp>
+        <p:nvCxnSpPr>
+          <p:cNvPr id="20" name="Straight Arrow Connector 19">
+            <a:extLst>
+              <a:ext uri="{FF2B5EF4-FFF2-40B4-BE49-F238E27FC236}">
+                <a16:creationId xmlns:a16="http://schemas.microsoft.com/office/drawing/2014/main" id="{CBEFDE7D-D5DC-42C7-940C-78C84F566748}"/>
+              </a:ext>
+            </a:extLst>
+          </p:cNvPr>
+          <p:cNvCxnSpPr>
+            <a:cxnSpLocks/>
+          </p:cNvCxnSpPr>
+          <p:nvPr/>
+        </p:nvCxnSpPr>
+        <p:spPr>
+          <a:xfrm>
+            <a:off x="7969250" y="5257771"/>
+            <a:ext cx="1943100" cy="0"/>
+          </a:xfrm>
+          <a:prstGeom prst="straightConnector1">
+            <a:avLst/>
+          </a:prstGeom>
+          <a:ln w="76200">
+            <a:solidFill>
+              <a:srgbClr val="FF0000"/>
+            </a:solidFill>
+            <a:tailEnd type="triangle"/>
+          </a:ln>
+        </p:spPr>
+        <p:style>
+          <a:lnRef idx="1">
+            <a:schemeClr val="accent1"/>
+          </a:lnRef>
+          <a:fillRef idx="0">
+            <a:schemeClr val="accent1"/>
+          </a:fillRef>
+          <a:effectRef idx="0">
+            <a:schemeClr val="accent1"/>
+          </a:effectRef>
+          <a:fontRef idx="minor">
+            <a:schemeClr val="tx1"/>
+          </a:fontRef>
+        </p:style>
+      </p:cxnSp>
+      <p:cxnSp>
+        <p:nvCxnSpPr>
+          <p:cNvPr id="21" name="Straight Arrow Connector 20">
+            <a:extLst>
+              <a:ext uri="{FF2B5EF4-FFF2-40B4-BE49-F238E27FC236}">
+                <a16:creationId xmlns:a16="http://schemas.microsoft.com/office/drawing/2014/main" id="{57FEB61F-777A-489F-9C33-1942760BF747}"/>
+              </a:ext>
+            </a:extLst>
+          </p:cNvPr>
+          <p:cNvCxnSpPr>
+            <a:cxnSpLocks/>
+          </p:cNvCxnSpPr>
+          <p:nvPr/>
+        </p:nvCxnSpPr>
+        <p:spPr>
+          <a:xfrm>
+            <a:off x="7969250" y="5748828"/>
+            <a:ext cx="1943100" cy="0"/>
+          </a:xfrm>
+          <a:prstGeom prst="straightConnector1">
+            <a:avLst/>
+          </a:prstGeom>
+          <a:ln w="76200">
+            <a:solidFill>
+              <a:srgbClr val="FF0000"/>
+            </a:solidFill>
+            <a:tailEnd type="triangle"/>
+          </a:ln>
+        </p:spPr>
+        <p:style>
+          <a:lnRef idx="1">
+            <a:schemeClr val="accent1"/>
+          </a:lnRef>
+          <a:fillRef idx="0">
+            <a:schemeClr val="accent1"/>
+          </a:fillRef>
+          <a:effectRef idx="0">
+            <a:schemeClr val="accent1"/>
+          </a:effectRef>
+          <a:fontRef idx="minor">
+            <a:schemeClr val="tx1"/>
+          </a:fontRef>
+        </p:style>
+      </p:cxnSp>
+      <p:cxnSp>
+        <p:nvCxnSpPr>
+          <p:cNvPr id="22" name="Straight Arrow Connector 21">
+            <a:extLst>
+              <a:ext uri="{FF2B5EF4-FFF2-40B4-BE49-F238E27FC236}">
+                <a16:creationId xmlns:a16="http://schemas.microsoft.com/office/drawing/2014/main" id="{97AA9499-3845-425A-9BD9-9AB4B20004BC}"/>
+              </a:ext>
+            </a:extLst>
+          </p:cNvPr>
+          <p:cNvCxnSpPr>
+            <a:cxnSpLocks/>
+          </p:cNvCxnSpPr>
+          <p:nvPr/>
+        </p:nvCxnSpPr>
+        <p:spPr>
+          <a:xfrm>
+            <a:off x="9594850" y="3750685"/>
+            <a:ext cx="1943100" cy="0"/>
+          </a:xfrm>
+          <a:prstGeom prst="straightConnector1">
+            <a:avLst/>
+          </a:prstGeom>
+          <a:ln w="76200">
+            <a:solidFill>
+              <a:srgbClr val="FF0000"/>
+            </a:solidFill>
+            <a:tailEnd type="triangle"/>
+          </a:ln>
+        </p:spPr>
+        <p:style>
+          <a:lnRef idx="1">
+            <a:schemeClr val="accent1"/>
+          </a:lnRef>
+          <a:fillRef idx="0">
+            <a:schemeClr val="accent1"/>
+          </a:fillRef>
+          <a:effectRef idx="0">
+            <a:schemeClr val="accent1"/>
+          </a:effectRef>
+          <a:fontRef idx="minor">
+            <a:schemeClr val="tx1"/>
+          </a:fontRef>
+        </p:style>
+      </p:cxnSp>
       <p:pic>
         <p:nvPicPr>
-          <p:cNvPr id="4" name="Picture 2" descr="What Is Fluid Dynamics? | Live Science">
-            <a:extLst>
-              <a:ext uri="{FF2B5EF4-FFF2-40B4-BE49-F238E27FC236}">
-                <a16:creationId xmlns:a16="http://schemas.microsoft.com/office/drawing/2014/main" id="{35696254-24E3-4756-8A83-1D77C77E7373}"/>
+          <p:cNvPr id="1028" name="Picture 4" descr="Simple Stick Figure transparent PNG - StickPNG">
+            <a:extLst>
+              <a:ext uri="{FF2B5EF4-FFF2-40B4-BE49-F238E27FC236}">
+                <a16:creationId xmlns:a16="http://schemas.microsoft.com/office/drawing/2014/main" id="{567FBA40-4C17-40A0-94C6-8EC2FDC5E15A}"/>
               </a:ext>
             </a:extLst>
           </p:cNvPr>
@@ -3918,8 +4450,8 @@
         </p:blipFill>
         <p:spPr bwMode="auto">
           <a:xfrm>
-            <a:off x="2856064" y="1911378"/>
-            <a:ext cx="6858000" cy="3448050"/>
+            <a:off x="8203111" y="2594258"/>
+            <a:ext cx="593666" cy="1260884"/>
           </a:xfrm>
           <a:prstGeom prst="rect">
             <a:avLst/>
@@ -3936,332 +4468,12 @@
           </a:extLst>
         </p:spPr>
       </p:pic>
-      <p:cxnSp>
-        <p:nvCxnSpPr>
-          <p:cNvPr id="5" name="Straight Arrow Connector 4">
-            <a:extLst>
-              <a:ext uri="{FF2B5EF4-FFF2-40B4-BE49-F238E27FC236}">
-                <a16:creationId xmlns:a16="http://schemas.microsoft.com/office/drawing/2014/main" id="{81120B7B-BBA1-4798-B59A-BE95313B8D1A}"/>
-              </a:ext>
-            </a:extLst>
-          </p:cNvPr>
-          <p:cNvCxnSpPr>
-            <a:cxnSpLocks/>
-          </p:cNvCxnSpPr>
-          <p:nvPr/>
-        </p:nvCxnSpPr>
-        <p:spPr>
-          <a:xfrm flipH="1" flipV="1">
-            <a:off x="6413500" y="3644900"/>
-            <a:ext cx="723900" cy="2184400"/>
-          </a:xfrm>
-          <a:prstGeom prst="straightConnector1">
-            <a:avLst/>
-          </a:prstGeom>
-          <a:ln w="76200">
-            <a:solidFill>
-              <a:srgbClr val="FF0000"/>
-            </a:solidFill>
-            <a:tailEnd type="triangle"/>
-          </a:ln>
-        </p:spPr>
-        <p:style>
-          <a:lnRef idx="1">
-            <a:schemeClr val="accent1"/>
-          </a:lnRef>
-          <a:fillRef idx="0">
-            <a:schemeClr val="accent1"/>
-          </a:fillRef>
-          <a:effectRef idx="0">
-            <a:schemeClr val="accent1"/>
-          </a:effectRef>
-          <a:fontRef idx="minor">
-            <a:schemeClr val="tx1"/>
-          </a:fontRef>
-        </p:style>
-      </p:cxnSp>
-      <p:sp>
-        <p:nvSpPr>
-          <p:cNvPr id="8" name="TextBox 7">
-            <a:extLst>
-              <a:ext uri="{FF2B5EF4-FFF2-40B4-BE49-F238E27FC236}">
-                <a16:creationId xmlns:a16="http://schemas.microsoft.com/office/drawing/2014/main" id="{B7445940-B293-4C95-B950-588C682BEBAB}"/>
-              </a:ext>
-            </a:extLst>
-          </p:cNvPr>
-          <p:cNvSpPr txBox="1"/>
-          <p:nvPr/>
-        </p:nvSpPr>
-        <p:spPr>
-          <a:xfrm>
-            <a:off x="6585451" y="5956300"/>
-            <a:ext cx="3176575" cy="369332"/>
-          </a:xfrm>
-          <a:prstGeom prst="rect">
-            <a:avLst/>
-          </a:prstGeom>
-          <a:noFill/>
-        </p:spPr>
-        <p:txBody>
-          <a:bodyPr wrap="none" rtlCol="0">
-            <a:spAutoFit/>
-          </a:bodyPr>
-          <a:lstStyle/>
-          <a:p>
-            <a:r>
-              <a:rPr lang="en-US" b="1" dirty="0"/>
-              <a:t>Low pressure separation region</a:t>
-            </a:r>
-            <a:endParaRPr lang="en-GB" b="1" dirty="0"/>
-          </a:p>
-        </p:txBody>
-      </p:sp>
-    </p:spTree>
-    <p:extLst>
-      <p:ext uri="{BB962C8B-B14F-4D97-AF65-F5344CB8AC3E}">
-        <p14:creationId xmlns:p14="http://schemas.microsoft.com/office/powerpoint/2010/main" val="672912992"/>
-      </p:ext>
-    </p:extLst>
-  </p:cSld>
-  <p:clrMapOvr>
-    <a:masterClrMapping/>
-  </p:clrMapOvr>
-</p:sld>
-</file>
-
-<file path=ppt/slides/slide12.xml><?xml version="1.0" encoding="utf-8"?>
-<p:sld xmlns:a="http://schemas.openxmlformats.org/drawingml/2006/main" xmlns:r="http://schemas.openxmlformats.org/officeDocument/2006/relationships" xmlns:p="http://schemas.openxmlformats.org/presentationml/2006/main">
-  <p:cSld>
-    <p:spTree>
-      <p:nvGrpSpPr>
-        <p:cNvPr id="1" name=""/>
-        <p:cNvGrpSpPr/>
-        <p:nvPr/>
-      </p:nvGrpSpPr>
-      <p:grpSpPr>
-        <a:xfrm>
-          <a:off x="0" y="0"/>
-          <a:ext cx="0" cy="0"/>
-          <a:chOff x="0" y="0"/>
-          <a:chExt cx="0" cy="0"/>
-        </a:xfrm>
-      </p:grpSpPr>
-      <p:sp>
-        <p:nvSpPr>
-          <p:cNvPr id="6" name="Title 1">
-            <a:extLst>
-              <a:ext uri="{FF2B5EF4-FFF2-40B4-BE49-F238E27FC236}">
-                <a16:creationId xmlns:a16="http://schemas.microsoft.com/office/drawing/2014/main" id="{D3FF295B-D97D-4390-B0A0-86F92F6AADA6}"/>
-              </a:ext>
-            </a:extLst>
-          </p:cNvPr>
-          <p:cNvSpPr>
-            <a:spLocks noGrp="1"/>
-          </p:cNvSpPr>
-          <p:nvPr>
-            <p:ph type="title"/>
-          </p:nvPr>
-        </p:nvSpPr>
-        <p:spPr>
-          <a:xfrm>
-            <a:off x="838200" y="151851"/>
-            <a:ext cx="10515600" cy="1325563"/>
-          </a:xfrm>
-        </p:spPr>
-        <p:txBody>
-          <a:bodyPr/>
-          <a:lstStyle/>
-          <a:p>
-            <a:r>
-              <a:rPr lang="en-US" dirty="0"/>
-              <a:t>Which do you think is more significant (pressure or friction drag?) </a:t>
-            </a:r>
-            <a:endParaRPr lang="en-GB" dirty="0"/>
-          </a:p>
-        </p:txBody>
-      </p:sp>
-      <p:cxnSp>
-        <p:nvCxnSpPr>
-          <p:cNvPr id="5" name="Straight Arrow Connector 4">
-            <a:extLst>
-              <a:ext uri="{FF2B5EF4-FFF2-40B4-BE49-F238E27FC236}">
-                <a16:creationId xmlns:a16="http://schemas.microsoft.com/office/drawing/2014/main" id="{81120B7B-BBA1-4798-B59A-BE95313B8D1A}"/>
-              </a:ext>
-            </a:extLst>
-          </p:cNvPr>
-          <p:cNvCxnSpPr>
-            <a:cxnSpLocks/>
-          </p:cNvCxnSpPr>
-          <p:nvPr/>
-        </p:nvCxnSpPr>
-        <p:spPr>
-          <a:xfrm>
-            <a:off x="2000250" y="5164657"/>
-            <a:ext cx="1943100" cy="0"/>
-          </a:xfrm>
-          <a:prstGeom prst="straightConnector1">
-            <a:avLst/>
-          </a:prstGeom>
-          <a:ln w="76200">
-            <a:solidFill>
-              <a:srgbClr val="FF0000"/>
-            </a:solidFill>
-            <a:tailEnd type="triangle"/>
-          </a:ln>
-        </p:spPr>
-        <p:style>
-          <a:lnRef idx="1">
-            <a:schemeClr val="accent1"/>
-          </a:lnRef>
-          <a:fillRef idx="0">
-            <a:schemeClr val="accent1"/>
-          </a:fillRef>
-          <a:effectRef idx="0">
-            <a:schemeClr val="accent1"/>
-          </a:effectRef>
-          <a:fontRef idx="minor">
-            <a:schemeClr val="tx1"/>
-          </a:fontRef>
-        </p:style>
-      </p:cxnSp>
-      <p:cxnSp>
-        <p:nvCxnSpPr>
-          <p:cNvPr id="7" name="Straight Arrow Connector 6">
-            <a:extLst>
-              <a:ext uri="{FF2B5EF4-FFF2-40B4-BE49-F238E27FC236}">
-                <a16:creationId xmlns:a16="http://schemas.microsoft.com/office/drawing/2014/main" id="{68523F7A-3C15-47D3-9D14-3077E23489BE}"/>
-              </a:ext>
-            </a:extLst>
-          </p:cNvPr>
-          <p:cNvCxnSpPr>
-            <a:cxnSpLocks/>
-          </p:cNvCxnSpPr>
-          <p:nvPr/>
-        </p:nvCxnSpPr>
-        <p:spPr>
-          <a:xfrm>
-            <a:off x="2000250" y="4466157"/>
-            <a:ext cx="1943100" cy="0"/>
-          </a:xfrm>
-          <a:prstGeom prst="straightConnector1">
-            <a:avLst/>
-          </a:prstGeom>
-          <a:ln w="76200">
-            <a:solidFill>
-              <a:srgbClr val="FF0000"/>
-            </a:solidFill>
-            <a:tailEnd type="triangle"/>
-          </a:ln>
-        </p:spPr>
-        <p:style>
-          <a:lnRef idx="1">
-            <a:schemeClr val="accent1"/>
-          </a:lnRef>
-          <a:fillRef idx="0">
-            <a:schemeClr val="accent1"/>
-          </a:fillRef>
-          <a:effectRef idx="0">
-            <a:schemeClr val="accent1"/>
-          </a:effectRef>
-          <a:fontRef idx="minor">
-            <a:schemeClr val="tx1"/>
-          </a:fontRef>
-        </p:style>
-      </p:cxnSp>
-      <p:cxnSp>
-        <p:nvCxnSpPr>
-          <p:cNvPr id="9" name="Straight Arrow Connector 8">
-            <a:extLst>
-              <a:ext uri="{FF2B5EF4-FFF2-40B4-BE49-F238E27FC236}">
-                <a16:creationId xmlns:a16="http://schemas.microsoft.com/office/drawing/2014/main" id="{CB04380A-7012-499C-B96B-07BB81F23D8C}"/>
-              </a:ext>
-            </a:extLst>
-          </p:cNvPr>
-          <p:cNvCxnSpPr>
-            <a:cxnSpLocks/>
-          </p:cNvCxnSpPr>
-          <p:nvPr/>
-        </p:nvCxnSpPr>
-        <p:spPr>
-          <a:xfrm>
-            <a:off x="2000250" y="3640657"/>
-            <a:ext cx="1943100" cy="0"/>
-          </a:xfrm>
-          <a:prstGeom prst="straightConnector1">
-            <a:avLst/>
-          </a:prstGeom>
-          <a:ln w="76200">
-            <a:solidFill>
-              <a:srgbClr val="FF0000"/>
-            </a:solidFill>
-            <a:tailEnd type="triangle"/>
-          </a:ln>
-        </p:spPr>
-        <p:style>
-          <a:lnRef idx="1">
-            <a:schemeClr val="accent1"/>
-          </a:lnRef>
-          <a:fillRef idx="0">
-            <a:schemeClr val="accent1"/>
-          </a:fillRef>
-          <a:effectRef idx="0">
-            <a:schemeClr val="accent1"/>
-          </a:effectRef>
-          <a:fontRef idx="minor">
-            <a:schemeClr val="tx1"/>
-          </a:fontRef>
-        </p:style>
-      </p:cxnSp>
-      <p:cxnSp>
-        <p:nvCxnSpPr>
-          <p:cNvPr id="10" name="Straight Arrow Connector 9">
-            <a:extLst>
-              <a:ext uri="{FF2B5EF4-FFF2-40B4-BE49-F238E27FC236}">
-                <a16:creationId xmlns:a16="http://schemas.microsoft.com/office/drawing/2014/main" id="{D2EE3ABC-37D4-46C4-A24E-7363C3FC9F2E}"/>
-              </a:ext>
-            </a:extLst>
-          </p:cNvPr>
-          <p:cNvCxnSpPr>
-            <a:cxnSpLocks/>
-          </p:cNvCxnSpPr>
-          <p:nvPr/>
-        </p:nvCxnSpPr>
-        <p:spPr>
-          <a:xfrm>
-            <a:off x="2000250" y="2827857"/>
-            <a:ext cx="1943100" cy="0"/>
-          </a:xfrm>
-          <a:prstGeom prst="straightConnector1">
-            <a:avLst/>
-          </a:prstGeom>
-          <a:ln w="76200">
-            <a:solidFill>
-              <a:srgbClr val="FF0000"/>
-            </a:solidFill>
-            <a:tailEnd type="triangle"/>
-          </a:ln>
-        </p:spPr>
-        <p:style>
-          <a:lnRef idx="1">
-            <a:schemeClr val="accent1"/>
-          </a:lnRef>
-          <a:fillRef idx="0">
-            <a:schemeClr val="accent1"/>
-          </a:fillRef>
-          <a:effectRef idx="0">
-            <a:schemeClr val="accent1"/>
-          </a:effectRef>
-          <a:fontRef idx="minor">
-            <a:schemeClr val="tx1"/>
-          </a:fontRef>
-        </p:style>
-      </p:cxnSp>
-      <p:sp>
-        <p:nvSpPr>
-          <p:cNvPr id="3" name="Rectangle 2">
-            <a:extLst>
-              <a:ext uri="{FF2B5EF4-FFF2-40B4-BE49-F238E27FC236}">
-                <a16:creationId xmlns:a16="http://schemas.microsoft.com/office/drawing/2014/main" id="{D28CE5B7-FC84-4DB9-9FE4-388DF5B07514}"/>
+      <p:sp>
+        <p:nvSpPr>
+          <p:cNvPr id="26" name="Freeform: Shape 25">
+            <a:extLst>
+              <a:ext uri="{FF2B5EF4-FFF2-40B4-BE49-F238E27FC236}">
+                <a16:creationId xmlns:a16="http://schemas.microsoft.com/office/drawing/2014/main" id="{1607460B-076B-43F8-9AF3-599A5243E2BF}"/>
               </a:ext>
             </a:extLst>
           </p:cNvPr>
@@ -4270,12 +4482,321 @@
         </p:nvSpPr>
         <p:spPr>
           <a:xfrm>
-            <a:off x="5092700" y="3314700"/>
-            <a:ext cx="3213100" cy="114300"/>
-          </a:xfrm>
-          <a:prstGeom prst="rect">
+            <a:off x="858741" y="1844703"/>
+            <a:ext cx="9358685" cy="580445"/>
+          </a:xfrm>
+          <a:custGeom>
             <a:avLst/>
-          </a:prstGeom>
+            <a:gdLst>
+              <a:gd name="connsiteX0" fmla="*/ 0 w 9358685"/>
+              <a:gd name="connsiteY0" fmla="*/ 580445 h 580445"/>
+              <a:gd name="connsiteX1" fmla="*/ 39756 w 9358685"/>
+              <a:gd name="connsiteY1" fmla="*/ 548640 h 580445"/>
+              <a:gd name="connsiteX2" fmla="*/ 731520 w 9358685"/>
+              <a:gd name="connsiteY2" fmla="*/ 119269 h 580445"/>
+              <a:gd name="connsiteX3" fmla="*/ 1129085 w 9358685"/>
+              <a:gd name="connsiteY3" fmla="*/ 206734 h 580445"/>
+              <a:gd name="connsiteX4" fmla="*/ 1367624 w 9358685"/>
+              <a:gd name="connsiteY4" fmla="*/ 389614 h 580445"/>
+              <a:gd name="connsiteX5" fmla="*/ 1653871 w 9358685"/>
+              <a:gd name="connsiteY5" fmla="*/ 508883 h 580445"/>
+              <a:gd name="connsiteX6" fmla="*/ 2003729 w 9358685"/>
+              <a:gd name="connsiteY6" fmla="*/ 341906 h 580445"/>
+              <a:gd name="connsiteX7" fmla="*/ 2528515 w 9358685"/>
+              <a:gd name="connsiteY7" fmla="*/ 31805 h 580445"/>
+              <a:gd name="connsiteX8" fmla="*/ 2814762 w 9358685"/>
+              <a:gd name="connsiteY8" fmla="*/ 278295 h 580445"/>
+              <a:gd name="connsiteX9" fmla="*/ 3077155 w 9358685"/>
+              <a:gd name="connsiteY9" fmla="*/ 318052 h 580445"/>
+              <a:gd name="connsiteX10" fmla="*/ 3474720 w 9358685"/>
+              <a:gd name="connsiteY10" fmla="*/ 278295 h 580445"/>
+              <a:gd name="connsiteX11" fmla="*/ 4190337 w 9358685"/>
+              <a:gd name="connsiteY11" fmla="*/ 31805 h 580445"/>
+              <a:gd name="connsiteX12" fmla="*/ 4349363 w 9358685"/>
+              <a:gd name="connsiteY12" fmla="*/ 159026 h 580445"/>
+              <a:gd name="connsiteX13" fmla="*/ 4508389 w 9358685"/>
+              <a:gd name="connsiteY13" fmla="*/ 341906 h 580445"/>
+              <a:gd name="connsiteX14" fmla="*/ 4746929 w 9358685"/>
+              <a:gd name="connsiteY14" fmla="*/ 397565 h 580445"/>
+              <a:gd name="connsiteX15" fmla="*/ 5216056 w 9358685"/>
+              <a:gd name="connsiteY15" fmla="*/ 262393 h 580445"/>
+              <a:gd name="connsiteX16" fmla="*/ 5868062 w 9358685"/>
+              <a:gd name="connsiteY16" fmla="*/ 39756 h 580445"/>
+              <a:gd name="connsiteX17" fmla="*/ 6162261 w 9358685"/>
+              <a:gd name="connsiteY17" fmla="*/ 0 h 580445"/>
+              <a:gd name="connsiteX18" fmla="*/ 6408751 w 9358685"/>
+              <a:gd name="connsiteY18" fmla="*/ 262393 h 580445"/>
+              <a:gd name="connsiteX19" fmla="*/ 6520069 w 9358685"/>
+              <a:gd name="connsiteY19" fmla="*/ 318052 h 580445"/>
+              <a:gd name="connsiteX20" fmla="*/ 7227736 w 9358685"/>
+              <a:gd name="connsiteY20" fmla="*/ 95415 h 580445"/>
+              <a:gd name="connsiteX21" fmla="*/ 7561690 w 9358685"/>
+              <a:gd name="connsiteY21" fmla="*/ 23854 h 580445"/>
+              <a:gd name="connsiteX22" fmla="*/ 7673009 w 9358685"/>
+              <a:gd name="connsiteY22" fmla="*/ 31805 h 580445"/>
+              <a:gd name="connsiteX23" fmla="*/ 8046720 w 9358685"/>
+              <a:gd name="connsiteY23" fmla="*/ 445273 h 580445"/>
+              <a:gd name="connsiteX24" fmla="*/ 8134184 w 9358685"/>
+              <a:gd name="connsiteY24" fmla="*/ 508883 h 580445"/>
+              <a:gd name="connsiteX25" fmla="*/ 8348869 w 9358685"/>
+              <a:gd name="connsiteY25" fmla="*/ 437321 h 580445"/>
+              <a:gd name="connsiteX26" fmla="*/ 8992925 w 9358685"/>
+              <a:gd name="connsiteY26" fmla="*/ 47707 h 580445"/>
+              <a:gd name="connsiteX27" fmla="*/ 9223513 w 9358685"/>
+              <a:gd name="connsiteY27" fmla="*/ 365760 h 580445"/>
+              <a:gd name="connsiteX28" fmla="*/ 9247367 w 9358685"/>
+              <a:gd name="connsiteY28" fmla="*/ 381662 h 580445"/>
+              <a:gd name="connsiteX29" fmla="*/ 9358685 w 9358685"/>
+              <a:gd name="connsiteY29" fmla="*/ 397565 h 580445"/>
+            </a:gdLst>
+            <a:ahLst/>
+            <a:cxnLst>
+              <a:cxn ang="0">
+                <a:pos x="connsiteX0" y="connsiteY0"/>
+              </a:cxn>
+              <a:cxn ang="0">
+                <a:pos x="connsiteX1" y="connsiteY1"/>
+              </a:cxn>
+              <a:cxn ang="0">
+                <a:pos x="connsiteX2" y="connsiteY2"/>
+              </a:cxn>
+              <a:cxn ang="0">
+                <a:pos x="connsiteX3" y="connsiteY3"/>
+              </a:cxn>
+              <a:cxn ang="0">
+                <a:pos x="connsiteX4" y="connsiteY4"/>
+              </a:cxn>
+              <a:cxn ang="0">
+                <a:pos x="connsiteX5" y="connsiteY5"/>
+              </a:cxn>
+              <a:cxn ang="0">
+                <a:pos x="connsiteX6" y="connsiteY6"/>
+              </a:cxn>
+              <a:cxn ang="0">
+                <a:pos x="connsiteX7" y="connsiteY7"/>
+              </a:cxn>
+              <a:cxn ang="0">
+                <a:pos x="connsiteX8" y="connsiteY8"/>
+              </a:cxn>
+              <a:cxn ang="0">
+                <a:pos x="connsiteX9" y="connsiteY9"/>
+              </a:cxn>
+              <a:cxn ang="0">
+                <a:pos x="connsiteX10" y="connsiteY10"/>
+              </a:cxn>
+              <a:cxn ang="0">
+                <a:pos x="connsiteX11" y="connsiteY11"/>
+              </a:cxn>
+              <a:cxn ang="0">
+                <a:pos x="connsiteX12" y="connsiteY12"/>
+              </a:cxn>
+              <a:cxn ang="0">
+                <a:pos x="connsiteX13" y="connsiteY13"/>
+              </a:cxn>
+              <a:cxn ang="0">
+                <a:pos x="connsiteX14" y="connsiteY14"/>
+              </a:cxn>
+              <a:cxn ang="0">
+                <a:pos x="connsiteX15" y="connsiteY15"/>
+              </a:cxn>
+              <a:cxn ang="0">
+                <a:pos x="connsiteX16" y="connsiteY16"/>
+              </a:cxn>
+              <a:cxn ang="0">
+                <a:pos x="connsiteX17" y="connsiteY17"/>
+              </a:cxn>
+              <a:cxn ang="0">
+                <a:pos x="connsiteX18" y="connsiteY18"/>
+              </a:cxn>
+              <a:cxn ang="0">
+                <a:pos x="connsiteX19" y="connsiteY19"/>
+              </a:cxn>
+              <a:cxn ang="0">
+                <a:pos x="connsiteX20" y="connsiteY20"/>
+              </a:cxn>
+              <a:cxn ang="0">
+                <a:pos x="connsiteX21" y="connsiteY21"/>
+              </a:cxn>
+              <a:cxn ang="0">
+                <a:pos x="connsiteX22" y="connsiteY22"/>
+              </a:cxn>
+              <a:cxn ang="0">
+                <a:pos x="connsiteX23" y="connsiteY23"/>
+              </a:cxn>
+              <a:cxn ang="0">
+                <a:pos x="connsiteX24" y="connsiteY24"/>
+              </a:cxn>
+              <a:cxn ang="0">
+                <a:pos x="connsiteX25" y="connsiteY25"/>
+              </a:cxn>
+              <a:cxn ang="0">
+                <a:pos x="connsiteX26" y="connsiteY26"/>
+              </a:cxn>
+              <a:cxn ang="0">
+                <a:pos x="connsiteX27" y="connsiteY27"/>
+              </a:cxn>
+              <a:cxn ang="0">
+                <a:pos x="connsiteX28" y="connsiteY28"/>
+              </a:cxn>
+              <a:cxn ang="0">
+                <a:pos x="connsiteX29" y="connsiteY29"/>
+              </a:cxn>
+            </a:cxnLst>
+            <a:rect l="l" t="t" r="r" b="b"/>
+            <a:pathLst>
+              <a:path w="9358685" h="580445">
+                <a:moveTo>
+                  <a:pt x="0" y="580445"/>
+                </a:moveTo>
+                <a:cubicBezTo>
+                  <a:pt x="13252" y="569843"/>
+                  <a:pt x="25728" y="558191"/>
+                  <a:pt x="39756" y="548640"/>
+                </a:cubicBezTo>
+                <a:cubicBezTo>
+                  <a:pt x="426593" y="285261"/>
+                  <a:pt x="321424" y="356213"/>
+                  <a:pt x="731520" y="119269"/>
+                </a:cubicBezTo>
+                <a:cubicBezTo>
+                  <a:pt x="864042" y="148424"/>
+                  <a:pt x="1004205" y="153660"/>
+                  <a:pt x="1129085" y="206734"/>
+                </a:cubicBezTo>
+                <a:cubicBezTo>
+                  <a:pt x="1221295" y="245923"/>
+                  <a:pt x="1280795" y="339622"/>
+                  <a:pt x="1367624" y="389614"/>
+                </a:cubicBezTo>
+                <a:cubicBezTo>
+                  <a:pt x="1457204" y="441190"/>
+                  <a:pt x="1558455" y="469127"/>
+                  <a:pt x="1653871" y="508883"/>
+                </a:cubicBezTo>
+                <a:cubicBezTo>
+                  <a:pt x="1944616" y="467348"/>
+                  <a:pt x="1711675" y="528951"/>
+                  <a:pt x="2003729" y="341906"/>
+                </a:cubicBezTo>
+                <a:cubicBezTo>
+                  <a:pt x="2174832" y="232323"/>
+                  <a:pt x="2528515" y="31805"/>
+                  <a:pt x="2528515" y="31805"/>
+                </a:cubicBezTo>
+                <a:cubicBezTo>
+                  <a:pt x="2578641" y="78589"/>
+                  <a:pt x="2765501" y="258225"/>
+                  <a:pt x="2814762" y="278295"/>
+                </a:cubicBezTo>
+                <a:cubicBezTo>
+                  <a:pt x="2896687" y="311672"/>
+                  <a:pt x="2989691" y="304800"/>
+                  <a:pt x="3077155" y="318052"/>
+                </a:cubicBezTo>
+                <a:cubicBezTo>
+                  <a:pt x="3209677" y="304800"/>
+                  <a:pt x="3347377" y="317301"/>
+                  <a:pt x="3474720" y="278295"/>
+                </a:cubicBezTo>
+                <a:cubicBezTo>
+                  <a:pt x="4424481" y="-12624"/>
+                  <a:pt x="3611092" y="71751"/>
+                  <a:pt x="4190337" y="31805"/>
+                </a:cubicBezTo>
+                <a:cubicBezTo>
+                  <a:pt x="4243346" y="74212"/>
+                  <a:pt x="4300758" y="111636"/>
+                  <a:pt x="4349363" y="159026"/>
+                </a:cubicBezTo>
+                <a:cubicBezTo>
+                  <a:pt x="4407204" y="215421"/>
+                  <a:pt x="4439117" y="300343"/>
+                  <a:pt x="4508389" y="341906"/>
+                </a:cubicBezTo>
+                <a:cubicBezTo>
+                  <a:pt x="4578403" y="383914"/>
+                  <a:pt x="4667416" y="379012"/>
+                  <a:pt x="4746929" y="397565"/>
+                </a:cubicBezTo>
+                <a:cubicBezTo>
+                  <a:pt x="4903305" y="352508"/>
+                  <a:pt x="5061023" y="311872"/>
+                  <a:pt x="5216056" y="262393"/>
+                </a:cubicBezTo>
+                <a:cubicBezTo>
+                  <a:pt x="5434840" y="192568"/>
+                  <a:pt x="5646757" y="101126"/>
+                  <a:pt x="5868062" y="39756"/>
+                </a:cubicBezTo>
+                <a:cubicBezTo>
+                  <a:pt x="5963421" y="13312"/>
+                  <a:pt x="6064195" y="13252"/>
+                  <a:pt x="6162261" y="0"/>
+                </a:cubicBezTo>
+                <a:cubicBezTo>
+                  <a:pt x="6483620" y="229542"/>
+                  <a:pt x="5999850" y="-133319"/>
+                  <a:pt x="6408751" y="262393"/>
+                </a:cubicBezTo>
+                <a:cubicBezTo>
+                  <a:pt x="6438563" y="291243"/>
+                  <a:pt x="6482963" y="299499"/>
+                  <a:pt x="6520069" y="318052"/>
+                </a:cubicBezTo>
+                <a:cubicBezTo>
+                  <a:pt x="7242765" y="157451"/>
+                  <a:pt x="6269582" y="387903"/>
+                  <a:pt x="7227736" y="95415"/>
+                </a:cubicBezTo>
+                <a:cubicBezTo>
+                  <a:pt x="7336621" y="62177"/>
+                  <a:pt x="7450372" y="47708"/>
+                  <a:pt x="7561690" y="23854"/>
+                </a:cubicBezTo>
+                <a:cubicBezTo>
+                  <a:pt x="7598796" y="26504"/>
+                  <a:pt x="7641415" y="12165"/>
+                  <a:pt x="7673009" y="31805"/>
+                </a:cubicBezTo>
+                <a:cubicBezTo>
+                  <a:pt x="7815820" y="120579"/>
+                  <a:pt x="7940381" y="329819"/>
+                  <a:pt x="8046720" y="445273"/>
+                </a:cubicBezTo>
+                <a:cubicBezTo>
+                  <a:pt x="8071143" y="471789"/>
+                  <a:pt x="8105029" y="487680"/>
+                  <a:pt x="8134184" y="508883"/>
+                </a:cubicBezTo>
+                <a:cubicBezTo>
+                  <a:pt x="8205746" y="485029"/>
+                  <a:pt x="8283104" y="474268"/>
+                  <a:pt x="8348869" y="437321"/>
+                </a:cubicBezTo>
+                <a:cubicBezTo>
+                  <a:pt x="9268137" y="-79122"/>
+                  <a:pt x="8554690" y="232228"/>
+                  <a:pt x="8992925" y="47707"/>
+                </a:cubicBezTo>
+                <a:cubicBezTo>
+                  <a:pt x="9069788" y="153725"/>
+                  <a:pt x="9114556" y="293125"/>
+                  <a:pt x="9223513" y="365760"/>
+                </a:cubicBezTo>
+                <a:cubicBezTo>
+                  <a:pt x="9231464" y="371061"/>
+                  <a:pt x="9238065" y="379473"/>
+                  <a:pt x="9247367" y="381662"/>
+                </a:cubicBezTo>
+                <a:cubicBezTo>
+                  <a:pt x="9283853" y="390247"/>
+                  <a:pt x="9358685" y="397565"/>
+                  <a:pt x="9358685" y="397565"/>
+                </a:cubicBezTo>
+              </a:path>
+            </a:pathLst>
+          </a:custGeom>
+          <a:noFill/>
         </p:spPr>
         <p:style>
           <a:lnRef idx="2">
@@ -4302,536 +4823,53 @@
           </a:p>
         </p:txBody>
       </p:sp>
-      <p:sp>
-        <p:nvSpPr>
-          <p:cNvPr id="11" name="Rectangle 10">
-            <a:extLst>
-              <a:ext uri="{FF2B5EF4-FFF2-40B4-BE49-F238E27FC236}">
-                <a16:creationId xmlns:a16="http://schemas.microsoft.com/office/drawing/2014/main" id="{B722A33A-2785-4D31-BE34-C349151A50A9}"/>
-              </a:ext>
-            </a:extLst>
-          </p:cNvPr>
-          <p:cNvSpPr/>
+      <p:pic>
+        <p:nvPicPr>
+          <p:cNvPr id="29" name="Picture 4" descr="Simple Stick Figure transparent PNG - StickPNG">
+            <a:extLst>
+              <a:ext uri="{FF2B5EF4-FFF2-40B4-BE49-F238E27FC236}">
+                <a16:creationId xmlns:a16="http://schemas.microsoft.com/office/drawing/2014/main" id="{CC18C8B2-1B00-4383-BC15-7A3F57E6CCDA}"/>
+              </a:ext>
+            </a:extLst>
+          </p:cNvPr>
+          <p:cNvPicPr>
+            <a:picLocks noChangeAspect="1" noChangeArrowheads="1"/>
+          </p:cNvPicPr>
           <p:nvPr/>
-        </p:nvSpPr>
-        <p:spPr>
-          <a:xfrm>
-            <a:off x="6096000" y="4466157"/>
-            <a:ext cx="901700" cy="1071043"/>
+        </p:nvPicPr>
+        <p:blipFill>
+          <a:blip r:embed="rId2">
+            <a:extLst>
+              <a:ext uri="{28A0092B-C50C-407E-A947-70E740481C1C}">
+                <a14:useLocalDpi xmlns:a14="http://schemas.microsoft.com/office/drawing/2010/main" val="0"/>
+              </a:ext>
+            </a:extLst>
+          </a:blip>
+          <a:srcRect/>
+          <a:stretch>
+            <a:fillRect/>
+          </a:stretch>
+        </p:blipFill>
+        <p:spPr bwMode="auto">
+          <a:xfrm>
+            <a:off x="7244987" y="4389345"/>
+            <a:ext cx="593666" cy="1260884"/>
           </a:xfrm>
           <a:prstGeom prst="rect">
             <a:avLst/>
           </a:prstGeom>
-        </p:spPr>
-        <p:style>
-          <a:lnRef idx="2">
-            <a:schemeClr val="accent1">
-              <a:shade val="50000"/>
-            </a:schemeClr>
-          </a:lnRef>
-          <a:fillRef idx="1">
-            <a:schemeClr val="accent1"/>
-          </a:fillRef>
-          <a:effectRef idx="0">
-            <a:schemeClr val="accent1"/>
-          </a:effectRef>
-          <a:fontRef idx="minor">
-            <a:schemeClr val="lt1"/>
-          </a:fontRef>
-        </p:style>
-        <p:txBody>
-          <a:bodyPr rtlCol="0" anchor="ctr"/>
-          <a:lstStyle/>
-          <a:p>
-            <a:pPr algn="ctr"/>
-            <a:endParaRPr lang="en-GB"/>
-          </a:p>
-        </p:txBody>
-      </p:sp>
-      <p:cxnSp>
-        <p:nvCxnSpPr>
-          <p:cNvPr id="12" name="Straight Arrow Connector 11">
-            <a:extLst>
-              <a:ext uri="{FF2B5EF4-FFF2-40B4-BE49-F238E27FC236}">
-                <a16:creationId xmlns:a16="http://schemas.microsoft.com/office/drawing/2014/main" id="{601EB38A-A623-4A5A-92B5-625550357ABD}"/>
-              </a:ext>
-            </a:extLst>
-          </p:cNvPr>
-          <p:cNvCxnSpPr>
-            <a:cxnSpLocks/>
-          </p:cNvCxnSpPr>
-          <p:nvPr/>
-        </p:nvCxnSpPr>
-        <p:spPr>
-          <a:xfrm>
-            <a:off x="2000250" y="6015557"/>
-            <a:ext cx="1943100" cy="0"/>
-          </a:xfrm>
-          <a:prstGeom prst="straightConnector1">
-            <a:avLst/>
-          </a:prstGeom>
-          <a:ln w="76200">
-            <a:solidFill>
-              <a:srgbClr val="FF0000"/>
-            </a:solidFill>
-            <a:tailEnd type="triangle"/>
-          </a:ln>
-        </p:spPr>
-        <p:style>
-          <a:lnRef idx="1">
-            <a:schemeClr val="accent1"/>
-          </a:lnRef>
-          <a:fillRef idx="0">
-            <a:schemeClr val="accent1"/>
-          </a:fillRef>
-          <a:effectRef idx="0">
-            <a:schemeClr val="accent1"/>
-          </a:effectRef>
-          <a:fontRef idx="minor">
-            <a:schemeClr val="tx1"/>
-          </a:fontRef>
-        </p:style>
-      </p:cxnSp>
-      <p:cxnSp>
-        <p:nvCxnSpPr>
-          <p:cNvPr id="13" name="Straight Arrow Connector 12">
-            <a:extLst>
-              <a:ext uri="{FF2B5EF4-FFF2-40B4-BE49-F238E27FC236}">
-                <a16:creationId xmlns:a16="http://schemas.microsoft.com/office/drawing/2014/main" id="{71A11442-DD6B-4609-89F6-1F6639590BC9}"/>
-              </a:ext>
-            </a:extLst>
-          </p:cNvPr>
-          <p:cNvCxnSpPr>
-            <a:cxnSpLocks/>
-          </p:cNvCxnSpPr>
-          <p:nvPr/>
-        </p:nvCxnSpPr>
-        <p:spPr>
-          <a:xfrm>
-            <a:off x="4502150" y="5825057"/>
-            <a:ext cx="1943100" cy="0"/>
-          </a:xfrm>
-          <a:prstGeom prst="straightConnector1">
-            <a:avLst/>
-          </a:prstGeom>
-          <a:ln w="76200">
-            <a:solidFill>
-              <a:srgbClr val="FF0000"/>
-            </a:solidFill>
-            <a:tailEnd type="triangle"/>
-          </a:ln>
-        </p:spPr>
-        <p:style>
-          <a:lnRef idx="1">
-            <a:schemeClr val="accent1"/>
-          </a:lnRef>
-          <a:fillRef idx="0">
-            <a:schemeClr val="accent1"/>
-          </a:fillRef>
-          <a:effectRef idx="0">
-            <a:schemeClr val="accent1"/>
-          </a:effectRef>
-          <a:fontRef idx="minor">
-            <a:schemeClr val="tx1"/>
-          </a:fontRef>
-        </p:style>
-      </p:cxnSp>
-      <p:cxnSp>
-        <p:nvCxnSpPr>
-          <p:cNvPr id="14" name="Straight Arrow Connector 13">
-            <a:extLst>
-              <a:ext uri="{FF2B5EF4-FFF2-40B4-BE49-F238E27FC236}">
-                <a16:creationId xmlns:a16="http://schemas.microsoft.com/office/drawing/2014/main" id="{86D85714-EDC4-4D29-BAE0-4A4C179083A3}"/>
-              </a:ext>
-            </a:extLst>
-          </p:cNvPr>
-          <p:cNvCxnSpPr>
-            <a:cxnSpLocks/>
-          </p:cNvCxnSpPr>
-          <p:nvPr/>
-        </p:nvCxnSpPr>
-        <p:spPr>
-          <a:xfrm>
-            <a:off x="4603750" y="4262957"/>
-            <a:ext cx="1943100" cy="0"/>
-          </a:xfrm>
-          <a:prstGeom prst="straightConnector1">
-            <a:avLst/>
-          </a:prstGeom>
-          <a:ln w="76200">
-            <a:solidFill>
-              <a:srgbClr val="FF0000"/>
-            </a:solidFill>
-            <a:tailEnd type="triangle"/>
-          </a:ln>
-        </p:spPr>
-        <p:style>
-          <a:lnRef idx="1">
-            <a:schemeClr val="accent1"/>
-          </a:lnRef>
-          <a:fillRef idx="0">
-            <a:schemeClr val="accent1"/>
-          </a:fillRef>
-          <a:effectRef idx="0">
-            <a:schemeClr val="accent1"/>
-          </a:effectRef>
-          <a:fontRef idx="minor">
-            <a:schemeClr val="tx1"/>
-          </a:fontRef>
-        </p:style>
-      </p:cxnSp>
-      <p:cxnSp>
-        <p:nvCxnSpPr>
-          <p:cNvPr id="15" name="Straight Arrow Connector 14">
-            <a:extLst>
-              <a:ext uri="{FF2B5EF4-FFF2-40B4-BE49-F238E27FC236}">
-                <a16:creationId xmlns:a16="http://schemas.microsoft.com/office/drawing/2014/main" id="{FCEFCC7F-03DA-43EE-B423-62053A29EAE5}"/>
-              </a:ext>
-            </a:extLst>
-          </p:cNvPr>
-          <p:cNvCxnSpPr>
-            <a:cxnSpLocks/>
-          </p:cNvCxnSpPr>
-          <p:nvPr/>
-        </p:nvCxnSpPr>
-        <p:spPr>
-          <a:xfrm>
-            <a:off x="3943350" y="4821757"/>
-            <a:ext cx="1943100" cy="0"/>
-          </a:xfrm>
-          <a:prstGeom prst="straightConnector1">
-            <a:avLst/>
-          </a:prstGeom>
-          <a:ln w="76200">
-            <a:solidFill>
-              <a:srgbClr val="FF0000"/>
-            </a:solidFill>
-            <a:tailEnd type="triangle"/>
-          </a:ln>
-        </p:spPr>
-        <p:style>
-          <a:lnRef idx="1">
-            <a:schemeClr val="accent1"/>
-          </a:lnRef>
-          <a:fillRef idx="0">
-            <a:schemeClr val="accent1"/>
-          </a:fillRef>
-          <a:effectRef idx="0">
-            <a:schemeClr val="accent1"/>
-          </a:effectRef>
-          <a:fontRef idx="minor">
-            <a:schemeClr val="tx1"/>
-          </a:fontRef>
-        </p:style>
-      </p:cxnSp>
-      <p:cxnSp>
-        <p:nvCxnSpPr>
-          <p:cNvPr id="16" name="Straight Arrow Connector 15">
-            <a:extLst>
-              <a:ext uri="{FF2B5EF4-FFF2-40B4-BE49-F238E27FC236}">
-                <a16:creationId xmlns:a16="http://schemas.microsoft.com/office/drawing/2014/main" id="{38B71904-E529-43E8-8A75-BA45A74574D2}"/>
-              </a:ext>
-            </a:extLst>
-          </p:cNvPr>
-          <p:cNvCxnSpPr>
-            <a:cxnSpLocks/>
-          </p:cNvCxnSpPr>
-          <p:nvPr/>
-        </p:nvCxnSpPr>
-        <p:spPr>
-          <a:xfrm>
-            <a:off x="4603750" y="3780357"/>
-            <a:ext cx="1943100" cy="0"/>
-          </a:xfrm>
-          <a:prstGeom prst="straightConnector1">
-            <a:avLst/>
-          </a:prstGeom>
-          <a:ln w="76200">
-            <a:solidFill>
-              <a:srgbClr val="FF0000"/>
-            </a:solidFill>
-            <a:tailEnd type="triangle"/>
-          </a:ln>
-        </p:spPr>
-        <p:style>
-          <a:lnRef idx="1">
-            <a:schemeClr val="accent1"/>
-          </a:lnRef>
-          <a:fillRef idx="0">
-            <a:schemeClr val="accent1"/>
-          </a:fillRef>
-          <a:effectRef idx="0">
-            <a:schemeClr val="accent1"/>
-          </a:effectRef>
-          <a:fontRef idx="minor">
-            <a:schemeClr val="tx1"/>
-          </a:fontRef>
-        </p:style>
-      </p:cxnSp>
-      <p:cxnSp>
-        <p:nvCxnSpPr>
-          <p:cNvPr id="17" name="Straight Arrow Connector 16">
-            <a:extLst>
-              <a:ext uri="{FF2B5EF4-FFF2-40B4-BE49-F238E27FC236}">
-                <a16:creationId xmlns:a16="http://schemas.microsoft.com/office/drawing/2014/main" id="{DE580D76-6181-411A-92C5-A7E41B8AA1CA}"/>
-              </a:ext>
-            </a:extLst>
-          </p:cNvPr>
-          <p:cNvCxnSpPr>
-            <a:cxnSpLocks/>
-          </p:cNvCxnSpPr>
-          <p:nvPr/>
-        </p:nvCxnSpPr>
-        <p:spPr>
-          <a:xfrm>
-            <a:off x="5429250" y="2827857"/>
-            <a:ext cx="1943100" cy="0"/>
-          </a:xfrm>
-          <a:prstGeom prst="straightConnector1">
-            <a:avLst/>
-          </a:prstGeom>
-          <a:ln w="76200">
-            <a:solidFill>
-              <a:srgbClr val="FF0000"/>
-            </a:solidFill>
-            <a:tailEnd type="triangle"/>
-          </a:ln>
-        </p:spPr>
-        <p:style>
-          <a:lnRef idx="1">
-            <a:schemeClr val="accent1"/>
-          </a:lnRef>
-          <a:fillRef idx="0">
-            <a:schemeClr val="accent1"/>
-          </a:fillRef>
-          <a:effectRef idx="0">
-            <a:schemeClr val="accent1"/>
-          </a:effectRef>
-          <a:fontRef idx="minor">
-            <a:schemeClr val="tx1"/>
-          </a:fontRef>
-        </p:style>
-      </p:cxnSp>
-      <p:cxnSp>
-        <p:nvCxnSpPr>
-          <p:cNvPr id="18" name="Straight Arrow Connector 17">
-            <a:extLst>
-              <a:ext uri="{FF2B5EF4-FFF2-40B4-BE49-F238E27FC236}">
-                <a16:creationId xmlns:a16="http://schemas.microsoft.com/office/drawing/2014/main" id="{F2BD4499-A70C-4770-82A8-79D81CBEE0FE}"/>
-              </a:ext>
-            </a:extLst>
-          </p:cNvPr>
-          <p:cNvCxnSpPr>
-            <a:cxnSpLocks/>
-          </p:cNvCxnSpPr>
-          <p:nvPr/>
-        </p:nvCxnSpPr>
-        <p:spPr>
-          <a:xfrm>
-            <a:off x="6997700" y="3674514"/>
-            <a:ext cx="1943100" cy="0"/>
-          </a:xfrm>
-          <a:prstGeom prst="straightConnector1">
-            <a:avLst/>
-          </a:prstGeom>
-          <a:ln w="76200">
-            <a:solidFill>
-              <a:srgbClr val="FF0000"/>
-            </a:solidFill>
-            <a:tailEnd type="triangle"/>
-          </a:ln>
-        </p:spPr>
-        <p:style>
-          <a:lnRef idx="1">
-            <a:schemeClr val="accent1"/>
-          </a:lnRef>
-          <a:fillRef idx="0">
-            <a:schemeClr val="accent1"/>
-          </a:fillRef>
-          <a:effectRef idx="0">
-            <a:schemeClr val="accent1"/>
-          </a:effectRef>
-          <a:fontRef idx="minor">
-            <a:schemeClr val="tx1"/>
-          </a:fontRef>
-        </p:style>
-      </p:cxnSp>
-      <p:cxnSp>
-        <p:nvCxnSpPr>
-          <p:cNvPr id="19" name="Straight Arrow Connector 18">
-            <a:extLst>
-              <a:ext uri="{FF2B5EF4-FFF2-40B4-BE49-F238E27FC236}">
-                <a16:creationId xmlns:a16="http://schemas.microsoft.com/office/drawing/2014/main" id="{AAE67704-C5A5-4CE2-84B8-3BC285420B02}"/>
-              </a:ext>
-            </a:extLst>
-          </p:cNvPr>
-          <p:cNvCxnSpPr>
-            <a:cxnSpLocks/>
-          </p:cNvCxnSpPr>
-          <p:nvPr/>
-        </p:nvCxnSpPr>
-        <p:spPr>
-          <a:xfrm>
-            <a:off x="7442200" y="4419571"/>
-            <a:ext cx="1943100" cy="0"/>
-          </a:xfrm>
-          <a:prstGeom prst="straightConnector1">
-            <a:avLst/>
-          </a:prstGeom>
-          <a:ln w="76200">
-            <a:solidFill>
-              <a:srgbClr val="FF0000"/>
-            </a:solidFill>
-            <a:tailEnd type="triangle"/>
-          </a:ln>
-        </p:spPr>
-        <p:style>
-          <a:lnRef idx="1">
-            <a:schemeClr val="accent1"/>
-          </a:lnRef>
-          <a:fillRef idx="0">
-            <a:schemeClr val="accent1"/>
-          </a:fillRef>
-          <a:effectRef idx="0">
-            <a:schemeClr val="accent1"/>
-          </a:effectRef>
-          <a:fontRef idx="minor">
-            <a:schemeClr val="tx1"/>
-          </a:fontRef>
-        </p:style>
-      </p:cxnSp>
-      <p:cxnSp>
-        <p:nvCxnSpPr>
-          <p:cNvPr id="20" name="Straight Arrow Connector 19">
-            <a:extLst>
-              <a:ext uri="{FF2B5EF4-FFF2-40B4-BE49-F238E27FC236}">
-                <a16:creationId xmlns:a16="http://schemas.microsoft.com/office/drawing/2014/main" id="{CBEFDE7D-D5DC-42C7-940C-78C84F566748}"/>
-              </a:ext>
-            </a:extLst>
-          </p:cNvPr>
-          <p:cNvCxnSpPr>
-            <a:cxnSpLocks/>
-          </p:cNvCxnSpPr>
-          <p:nvPr/>
-        </p:nvCxnSpPr>
-        <p:spPr>
-          <a:xfrm>
-            <a:off x="7969250" y="5257771"/>
-            <a:ext cx="1943100" cy="0"/>
-          </a:xfrm>
-          <a:prstGeom prst="straightConnector1">
-            <a:avLst/>
-          </a:prstGeom>
-          <a:ln w="76200">
-            <a:solidFill>
-              <a:srgbClr val="FF0000"/>
-            </a:solidFill>
-            <a:tailEnd type="triangle"/>
-          </a:ln>
-        </p:spPr>
-        <p:style>
-          <a:lnRef idx="1">
-            <a:schemeClr val="accent1"/>
-          </a:lnRef>
-          <a:fillRef idx="0">
-            <a:schemeClr val="accent1"/>
-          </a:fillRef>
-          <a:effectRef idx="0">
-            <a:schemeClr val="accent1"/>
-          </a:effectRef>
-          <a:fontRef idx="minor">
-            <a:schemeClr val="tx1"/>
-          </a:fontRef>
-        </p:style>
-      </p:cxnSp>
-      <p:cxnSp>
-        <p:nvCxnSpPr>
-          <p:cNvPr id="21" name="Straight Arrow Connector 20">
-            <a:extLst>
-              <a:ext uri="{FF2B5EF4-FFF2-40B4-BE49-F238E27FC236}">
-                <a16:creationId xmlns:a16="http://schemas.microsoft.com/office/drawing/2014/main" id="{57FEB61F-777A-489F-9C33-1942760BF747}"/>
-              </a:ext>
-            </a:extLst>
-          </p:cNvPr>
-          <p:cNvCxnSpPr>
-            <a:cxnSpLocks/>
-          </p:cNvCxnSpPr>
-          <p:nvPr/>
-        </p:nvCxnSpPr>
-        <p:spPr>
-          <a:xfrm>
-            <a:off x="7969250" y="5748828"/>
-            <a:ext cx="1943100" cy="0"/>
-          </a:xfrm>
-          <a:prstGeom prst="straightConnector1">
-            <a:avLst/>
-          </a:prstGeom>
-          <a:ln w="76200">
-            <a:solidFill>
-              <a:srgbClr val="FF0000"/>
-            </a:solidFill>
-            <a:tailEnd type="triangle"/>
-          </a:ln>
-        </p:spPr>
-        <p:style>
-          <a:lnRef idx="1">
-            <a:schemeClr val="accent1"/>
-          </a:lnRef>
-          <a:fillRef idx="0">
-            <a:schemeClr val="accent1"/>
-          </a:fillRef>
-          <a:effectRef idx="0">
-            <a:schemeClr val="accent1"/>
-          </a:effectRef>
-          <a:fontRef idx="minor">
-            <a:schemeClr val="tx1"/>
-          </a:fontRef>
-        </p:style>
-      </p:cxnSp>
-      <p:cxnSp>
-        <p:nvCxnSpPr>
-          <p:cNvPr id="22" name="Straight Arrow Connector 21">
-            <a:extLst>
-              <a:ext uri="{FF2B5EF4-FFF2-40B4-BE49-F238E27FC236}">
-                <a16:creationId xmlns:a16="http://schemas.microsoft.com/office/drawing/2014/main" id="{97AA9499-3845-425A-9BD9-9AB4B20004BC}"/>
-              </a:ext>
-            </a:extLst>
-          </p:cNvPr>
-          <p:cNvCxnSpPr>
-            <a:cxnSpLocks/>
-          </p:cNvCxnSpPr>
-          <p:nvPr/>
-        </p:nvCxnSpPr>
-        <p:spPr>
-          <a:xfrm>
-            <a:off x="9594850" y="3750685"/>
-            <a:ext cx="1943100" cy="0"/>
-          </a:xfrm>
-          <a:prstGeom prst="straightConnector1">
-            <a:avLst/>
-          </a:prstGeom>
-          <a:ln w="76200">
-            <a:solidFill>
-              <a:srgbClr val="FF0000"/>
-            </a:solidFill>
-            <a:tailEnd type="triangle"/>
-          </a:ln>
-        </p:spPr>
-        <p:style>
-          <a:lnRef idx="1">
-            <a:schemeClr val="accent1"/>
-          </a:lnRef>
-          <a:fillRef idx="0">
-            <a:schemeClr val="accent1"/>
-          </a:fillRef>
-          <a:effectRef idx="0">
-            <a:schemeClr val="accent1"/>
-          </a:effectRef>
-          <a:fontRef idx="minor">
-            <a:schemeClr val="tx1"/>
-          </a:fontRef>
-        </p:style>
-      </p:cxnSp>
+          <a:noFill/>
+          <a:extLst>
+            <a:ext uri="{909E8E84-426E-40DD-AFC4-6F175D3DCCD1}">
+              <a14:hiddenFill xmlns:a14="http://schemas.microsoft.com/office/drawing/2010/main">
+                <a:solidFill>
+                  <a:srgbClr val="FFFFFF"/>
+                </a:solidFill>
+              </a14:hiddenFill>
+            </a:ext>
+          </a:extLst>
+        </p:spPr>
+      </p:pic>
     </p:spTree>
     <p:extLst>
       <p:ext uri="{BB962C8B-B14F-4D97-AF65-F5344CB8AC3E}">
@@ -4909,7 +4947,9 @@
         </p:nvSpPr>
         <p:spPr/>
         <p:txBody>
-          <a:bodyPr/>
+          <a:bodyPr>
+            <a:normAutofit fontScale="92500" lnSpcReduction="10000"/>
+          </a:bodyPr>
           <a:lstStyle/>
           <a:p>
             <a:r>
@@ -4933,7 +4973,11 @@
               <a:t>	</a:t>
             </a:r>
             <a:r>
-              <a:rPr lang="en-US" sz="2000" dirty="0"/>
+              <a:rPr lang="en-US" sz="2000" dirty="0">
+                <a:highlight>
+                  <a:srgbClr val="FFFF00"/>
+                </a:highlight>
+              </a:rPr>
               <a:t>Pressure and drag: </a:t>
             </a:r>
             <a:r>
@@ -4959,18 +5003,18 @@
               <a:t>	</a:t>
             </a:r>
             <a:r>
-              <a:rPr lang="en-US" sz="2000" dirty="0" err="1"/>
-              <a:t>Solidworks</a:t>
-            </a:r>
-            <a:r>
-              <a:rPr lang="en-US" sz="2000" dirty="0"/>
-              <a:t> and CFD for cars: </a:t>
+              <a:rPr lang="en-US" sz="2000" dirty="0">
+                <a:highlight>
+                  <a:srgbClr val="FFFF00"/>
+                </a:highlight>
+              </a:rPr>
+              <a:t>Creating bodywork for cars: </a:t>
             </a:r>
             <a:r>
               <a:rPr lang="en-US" sz="2000" dirty="0">
                 <a:hlinkClick r:id="rId3"/>
               </a:rPr>
-              <a:t>https://www.youtube.com/watch?v=GtQTlUuAmDE&amp;t=856s</a:t>
+              <a:t>https://www.youtube.com/watch?v=4gzjcimjfTQ</a:t>
             </a:r>
             <a:r>
               <a:rPr lang="en-US" sz="2000" dirty="0"/>
@@ -4981,6 +5025,81 @@
             <a:pPr marL="0" indent="0">
               <a:buNone/>
             </a:pPr>
+            <a:endParaRPr lang="en-US" sz="2000" dirty="0"/>
+          </a:p>
+          <a:p>
+            <a:pPr marL="0" indent="0">
+              <a:buNone/>
+            </a:pPr>
+            <a:r>
+              <a:rPr lang="en-US" sz="2000" dirty="0"/>
+              <a:t>	</a:t>
+            </a:r>
+            <a:r>
+              <a:rPr lang="en-US" sz="2000" dirty="0" err="1"/>
+              <a:t>Solidworks</a:t>
+            </a:r>
+            <a:r>
+              <a:rPr lang="en-US" sz="2000" dirty="0"/>
+              <a:t> and CFD for cars: </a:t>
+            </a:r>
+            <a:r>
+              <a:rPr lang="en-US" sz="2000" dirty="0">
+                <a:hlinkClick r:id="rId4"/>
+              </a:rPr>
+              <a:t>https://www.youtube.com/watch?v=GtQTlUuAmDE&amp;t=856s</a:t>
+            </a:r>
+            <a:r>
+              <a:rPr lang="en-US" sz="2000" dirty="0"/>
+              <a:t> </a:t>
+            </a:r>
+          </a:p>
+          <a:p>
+            <a:pPr marL="0" indent="0">
+              <a:buNone/>
+            </a:pPr>
+            <a:endParaRPr lang="en-US" sz="2000" dirty="0"/>
+          </a:p>
+          <a:p>
+            <a:pPr marL="0" indent="0">
+              <a:buNone/>
+            </a:pPr>
+            <a:r>
+              <a:rPr lang="en-US" sz="2000" dirty="0"/>
+              <a:t>	</a:t>
+            </a:r>
+            <a:r>
+              <a:rPr lang="en-US" sz="2000" dirty="0" err="1"/>
+              <a:t>Solidworks</a:t>
+            </a:r>
+            <a:r>
+              <a:rPr lang="en-US" sz="2000" dirty="0"/>
+              <a:t> flow simulation: </a:t>
+            </a:r>
+            <a:r>
+              <a:rPr lang="en-US" sz="2000" dirty="0">
+                <a:hlinkClick r:id="rId5"/>
+              </a:rPr>
+              <a:t>https://www.solidworks.com/product/solidworks-flow-simulation</a:t>
+            </a:r>
+            <a:r>
+              <a:rPr lang="en-US" sz="2000" dirty="0"/>
+              <a:t> </a:t>
+            </a:r>
+          </a:p>
+          <a:p>
+            <a:pPr marL="0" indent="0">
+              <a:buNone/>
+            </a:pPr>
+            <a:r>
+              <a:rPr lang="en-US" sz="2000" dirty="0"/>
+              <a:t> </a:t>
+            </a:r>
+          </a:p>
+          <a:p>
+            <a:pPr marL="0" indent="0">
+              <a:buNone/>
+            </a:pPr>
             <a:r>
               <a:rPr lang="en-US" sz="2000" dirty="0"/>
               <a:t>	 </a:t>
@@ -4990,10 +5109,6 @@
             <a:pPr marL="0" indent="0">
               <a:buNone/>
             </a:pPr>
-            <a:r>
-              <a:rPr lang="en-US" sz="2400" dirty="0"/>
-              <a:t>	</a:t>
-            </a:r>
             <a:endParaRPr lang="en-GB" dirty="0"/>
           </a:p>
         </p:txBody>
@@ -5206,7 +5321,7 @@
         </p:blipFill>
         <p:spPr bwMode="auto">
           <a:xfrm>
-            <a:off x="1948070" y="2218414"/>
+            <a:off x="1924216" y="2226365"/>
             <a:ext cx="8006832" cy="2154803"/>
           </a:xfrm>
           <a:prstGeom prst="rect">
@@ -5351,7 +5466,7 @@
         </p:blipFill>
         <p:spPr bwMode="auto">
           <a:xfrm>
-            <a:off x="2856064" y="1911378"/>
+            <a:off x="2853322" y="1911378"/>
             <a:ext cx="6858000" cy="3448050"/>
           </a:xfrm>
           <a:prstGeom prst="rect">
@@ -5369,6 +5484,561 @@
           </a:extLst>
         </p:spPr>
       </p:pic>
+      <p:sp>
+        <p:nvSpPr>
+          <p:cNvPr id="2" name="Arrow: Right 1">
+            <a:extLst>
+              <a:ext uri="{FF2B5EF4-FFF2-40B4-BE49-F238E27FC236}">
+                <a16:creationId xmlns:a16="http://schemas.microsoft.com/office/drawing/2014/main" id="{89B7A426-AFF3-4A1A-9A3E-7AC47B6ADD9D}"/>
+              </a:ext>
+            </a:extLst>
+          </p:cNvPr>
+          <p:cNvSpPr/>
+          <p:nvPr/>
+        </p:nvSpPr>
+        <p:spPr>
+          <a:xfrm>
+            <a:off x="2671638" y="3055289"/>
+            <a:ext cx="1305560" cy="747422"/>
+          </a:xfrm>
+          <a:prstGeom prst="rightArrow">
+            <a:avLst/>
+          </a:prstGeom>
+        </p:spPr>
+        <p:style>
+          <a:lnRef idx="2">
+            <a:schemeClr val="accent1">
+              <a:shade val="50000"/>
+            </a:schemeClr>
+          </a:lnRef>
+          <a:fillRef idx="1">
+            <a:schemeClr val="accent1"/>
+          </a:fillRef>
+          <a:effectRef idx="0">
+            <a:schemeClr val="accent1"/>
+          </a:effectRef>
+          <a:fontRef idx="minor">
+            <a:schemeClr val="lt1"/>
+          </a:fontRef>
+        </p:style>
+        <p:txBody>
+          <a:bodyPr rtlCol="0" anchor="ctr"/>
+          <a:lstStyle/>
+          <a:p>
+            <a:pPr algn="ctr"/>
+            <a:endParaRPr lang="en-GB"/>
+          </a:p>
+        </p:txBody>
+      </p:sp>
+      <p:sp>
+        <p:nvSpPr>
+          <p:cNvPr id="5" name="Arrow: Right 4">
+            <a:extLst>
+              <a:ext uri="{FF2B5EF4-FFF2-40B4-BE49-F238E27FC236}">
+                <a16:creationId xmlns:a16="http://schemas.microsoft.com/office/drawing/2014/main" id="{90A345AD-0B28-480C-B94D-7B01E13092A6}"/>
+              </a:ext>
+            </a:extLst>
+          </p:cNvPr>
+          <p:cNvSpPr/>
+          <p:nvPr/>
+        </p:nvSpPr>
+        <p:spPr>
+          <a:xfrm rot="19409149">
+            <a:off x="3622443" y="2307555"/>
+            <a:ext cx="963368" cy="351557"/>
+          </a:xfrm>
+          <a:prstGeom prst="rightArrow">
+            <a:avLst/>
+          </a:prstGeom>
+        </p:spPr>
+        <p:style>
+          <a:lnRef idx="2">
+            <a:schemeClr val="accent1">
+              <a:shade val="50000"/>
+            </a:schemeClr>
+          </a:lnRef>
+          <a:fillRef idx="1">
+            <a:schemeClr val="accent1"/>
+          </a:fillRef>
+          <a:effectRef idx="0">
+            <a:schemeClr val="accent1"/>
+          </a:effectRef>
+          <a:fontRef idx="minor">
+            <a:schemeClr val="lt1"/>
+          </a:fontRef>
+        </p:style>
+        <p:txBody>
+          <a:bodyPr rtlCol="0" anchor="ctr"/>
+          <a:lstStyle/>
+          <a:p>
+            <a:pPr algn="ctr"/>
+            <a:endParaRPr lang="en-GB"/>
+          </a:p>
+        </p:txBody>
+      </p:sp>
+      <p:sp>
+        <p:nvSpPr>
+          <p:cNvPr id="7" name="Arrow: Right 6">
+            <a:extLst>
+              <a:ext uri="{FF2B5EF4-FFF2-40B4-BE49-F238E27FC236}">
+                <a16:creationId xmlns:a16="http://schemas.microsoft.com/office/drawing/2014/main" id="{B4B303AE-9941-470F-8896-CB3CFDCE38BD}"/>
+              </a:ext>
+            </a:extLst>
+          </p:cNvPr>
+          <p:cNvSpPr/>
+          <p:nvPr/>
+        </p:nvSpPr>
+        <p:spPr>
+          <a:xfrm rot="497683">
+            <a:off x="4934116" y="2131776"/>
+            <a:ext cx="963368" cy="351557"/>
+          </a:xfrm>
+          <a:prstGeom prst="rightArrow">
+            <a:avLst/>
+          </a:prstGeom>
+        </p:spPr>
+        <p:style>
+          <a:lnRef idx="2">
+            <a:schemeClr val="accent1">
+              <a:shade val="50000"/>
+            </a:schemeClr>
+          </a:lnRef>
+          <a:fillRef idx="1">
+            <a:schemeClr val="accent1"/>
+          </a:fillRef>
+          <a:effectRef idx="0">
+            <a:schemeClr val="accent1"/>
+          </a:effectRef>
+          <a:fontRef idx="minor">
+            <a:schemeClr val="lt1"/>
+          </a:fontRef>
+        </p:style>
+        <p:txBody>
+          <a:bodyPr rtlCol="0" anchor="ctr"/>
+          <a:lstStyle/>
+          <a:p>
+            <a:pPr algn="ctr"/>
+            <a:endParaRPr lang="en-GB"/>
+          </a:p>
+        </p:txBody>
+      </p:sp>
+      <p:sp>
+        <p:nvSpPr>
+          <p:cNvPr id="8" name="Arrow: Right 7">
+            <a:extLst>
+              <a:ext uri="{FF2B5EF4-FFF2-40B4-BE49-F238E27FC236}">
+                <a16:creationId xmlns:a16="http://schemas.microsoft.com/office/drawing/2014/main" id="{7FBE0E51-C97F-4157-9F90-56289FF56E04}"/>
+              </a:ext>
+            </a:extLst>
+          </p:cNvPr>
+          <p:cNvSpPr/>
+          <p:nvPr/>
+        </p:nvSpPr>
+        <p:spPr>
+          <a:xfrm rot="740163">
+            <a:off x="6122433" y="2432135"/>
+            <a:ext cx="963368" cy="351557"/>
+          </a:xfrm>
+          <a:prstGeom prst="rightArrow">
+            <a:avLst/>
+          </a:prstGeom>
+        </p:spPr>
+        <p:style>
+          <a:lnRef idx="2">
+            <a:schemeClr val="accent1">
+              <a:shade val="50000"/>
+            </a:schemeClr>
+          </a:lnRef>
+          <a:fillRef idx="1">
+            <a:schemeClr val="accent1"/>
+          </a:fillRef>
+          <a:effectRef idx="0">
+            <a:schemeClr val="accent1"/>
+          </a:effectRef>
+          <a:fontRef idx="minor">
+            <a:schemeClr val="lt1"/>
+          </a:fontRef>
+        </p:style>
+        <p:txBody>
+          <a:bodyPr rtlCol="0" anchor="ctr"/>
+          <a:lstStyle/>
+          <a:p>
+            <a:pPr algn="ctr"/>
+            <a:endParaRPr lang="en-GB"/>
+          </a:p>
+        </p:txBody>
+      </p:sp>
+      <p:sp>
+        <p:nvSpPr>
+          <p:cNvPr id="9" name="Arrow: Right 8">
+            <a:extLst>
+              <a:ext uri="{FF2B5EF4-FFF2-40B4-BE49-F238E27FC236}">
+                <a16:creationId xmlns:a16="http://schemas.microsoft.com/office/drawing/2014/main" id="{F2AC57D1-AD3B-4FCC-AA6A-27903C6DB020}"/>
+              </a:ext>
+            </a:extLst>
+          </p:cNvPr>
+          <p:cNvSpPr/>
+          <p:nvPr/>
+        </p:nvSpPr>
+        <p:spPr>
+          <a:xfrm rot="327766">
+            <a:off x="7523187" y="2568575"/>
+            <a:ext cx="963368" cy="351557"/>
+          </a:xfrm>
+          <a:prstGeom prst="rightArrow">
+            <a:avLst/>
+          </a:prstGeom>
+        </p:spPr>
+        <p:style>
+          <a:lnRef idx="2">
+            <a:schemeClr val="accent1">
+              <a:shade val="50000"/>
+            </a:schemeClr>
+          </a:lnRef>
+          <a:fillRef idx="1">
+            <a:schemeClr val="accent1"/>
+          </a:fillRef>
+          <a:effectRef idx="0">
+            <a:schemeClr val="accent1"/>
+          </a:effectRef>
+          <a:fontRef idx="minor">
+            <a:schemeClr val="lt1"/>
+          </a:fontRef>
+        </p:style>
+        <p:txBody>
+          <a:bodyPr rtlCol="0" anchor="ctr"/>
+          <a:lstStyle/>
+          <a:p>
+            <a:pPr algn="ctr"/>
+            <a:endParaRPr lang="en-GB"/>
+          </a:p>
+        </p:txBody>
+      </p:sp>
+      <p:sp>
+        <p:nvSpPr>
+          <p:cNvPr id="3" name="Oval 2">
+            <a:extLst>
+              <a:ext uri="{FF2B5EF4-FFF2-40B4-BE49-F238E27FC236}">
+                <a16:creationId xmlns:a16="http://schemas.microsoft.com/office/drawing/2014/main" id="{85F56D37-68AF-466C-BC1F-2DB0AEA04C6E}"/>
+              </a:ext>
+            </a:extLst>
+          </p:cNvPr>
+          <p:cNvSpPr/>
+          <p:nvPr/>
+        </p:nvSpPr>
+        <p:spPr>
+          <a:xfrm>
+            <a:off x="5910245" y="2963964"/>
+            <a:ext cx="1598395" cy="1089967"/>
+          </a:xfrm>
+          <a:prstGeom prst="ellipse">
+            <a:avLst/>
+          </a:prstGeom>
+          <a:solidFill>
+            <a:schemeClr val="accent2"/>
+          </a:solidFill>
+        </p:spPr>
+        <p:style>
+          <a:lnRef idx="2">
+            <a:schemeClr val="accent1">
+              <a:shade val="50000"/>
+            </a:schemeClr>
+          </a:lnRef>
+          <a:fillRef idx="1">
+            <a:schemeClr val="accent1"/>
+          </a:fillRef>
+          <a:effectRef idx="0">
+            <a:schemeClr val="accent1"/>
+          </a:effectRef>
+          <a:fontRef idx="minor">
+            <a:schemeClr val="lt1"/>
+          </a:fontRef>
+        </p:style>
+        <p:txBody>
+          <a:bodyPr rtlCol="0" anchor="ctr"/>
+          <a:lstStyle/>
+          <a:p>
+            <a:pPr algn="ctr"/>
+            <a:endParaRPr lang="en-GB"/>
+          </a:p>
+        </p:txBody>
+      </p:sp>
+      <p:sp>
+        <p:nvSpPr>
+          <p:cNvPr id="10" name="Arrow: Right 9">
+            <a:extLst>
+              <a:ext uri="{FF2B5EF4-FFF2-40B4-BE49-F238E27FC236}">
+                <a16:creationId xmlns:a16="http://schemas.microsoft.com/office/drawing/2014/main" id="{0971AA28-2831-4A36-BD7B-E40A4CBDFDD7}"/>
+              </a:ext>
+            </a:extLst>
+          </p:cNvPr>
+          <p:cNvSpPr/>
+          <p:nvPr/>
+        </p:nvSpPr>
+        <p:spPr>
+          <a:xfrm>
+            <a:off x="6135843" y="3055289"/>
+            <a:ext cx="292958" cy="351557"/>
+          </a:xfrm>
+          <a:prstGeom prst="rightArrow">
+            <a:avLst/>
+          </a:prstGeom>
+        </p:spPr>
+        <p:style>
+          <a:lnRef idx="2">
+            <a:schemeClr val="accent1">
+              <a:shade val="50000"/>
+            </a:schemeClr>
+          </a:lnRef>
+          <a:fillRef idx="1">
+            <a:schemeClr val="accent1"/>
+          </a:fillRef>
+          <a:effectRef idx="0">
+            <a:schemeClr val="accent1"/>
+          </a:effectRef>
+          <a:fontRef idx="minor">
+            <a:schemeClr val="lt1"/>
+          </a:fontRef>
+        </p:style>
+        <p:txBody>
+          <a:bodyPr rtlCol="0" anchor="ctr"/>
+          <a:lstStyle/>
+          <a:p>
+            <a:pPr algn="ctr"/>
+            <a:endParaRPr lang="en-GB"/>
+          </a:p>
+        </p:txBody>
+      </p:sp>
+      <p:sp>
+        <p:nvSpPr>
+          <p:cNvPr id="11" name="Arrow: Right 10">
+            <a:extLst>
+              <a:ext uri="{FF2B5EF4-FFF2-40B4-BE49-F238E27FC236}">
+                <a16:creationId xmlns:a16="http://schemas.microsoft.com/office/drawing/2014/main" id="{D655E13A-54A8-4E4B-A85B-ED87F2A0D16C}"/>
+              </a:ext>
+            </a:extLst>
+          </p:cNvPr>
+          <p:cNvSpPr/>
+          <p:nvPr/>
+        </p:nvSpPr>
+        <p:spPr>
+          <a:xfrm>
+            <a:off x="6135843" y="3335771"/>
+            <a:ext cx="292958" cy="351557"/>
+          </a:xfrm>
+          <a:prstGeom prst="rightArrow">
+            <a:avLst/>
+          </a:prstGeom>
+        </p:spPr>
+        <p:style>
+          <a:lnRef idx="2">
+            <a:schemeClr val="accent1">
+              <a:shade val="50000"/>
+            </a:schemeClr>
+          </a:lnRef>
+          <a:fillRef idx="1">
+            <a:schemeClr val="accent1"/>
+          </a:fillRef>
+          <a:effectRef idx="0">
+            <a:schemeClr val="accent1"/>
+          </a:effectRef>
+          <a:fontRef idx="minor">
+            <a:schemeClr val="lt1"/>
+          </a:fontRef>
+        </p:style>
+        <p:txBody>
+          <a:bodyPr rtlCol="0" anchor="ctr"/>
+          <a:lstStyle/>
+          <a:p>
+            <a:pPr algn="ctr"/>
+            <a:endParaRPr lang="en-GB"/>
+          </a:p>
+        </p:txBody>
+      </p:sp>
+      <p:sp>
+        <p:nvSpPr>
+          <p:cNvPr id="12" name="Arrow: Right 11">
+            <a:extLst>
+              <a:ext uri="{FF2B5EF4-FFF2-40B4-BE49-F238E27FC236}">
+                <a16:creationId xmlns:a16="http://schemas.microsoft.com/office/drawing/2014/main" id="{1CF3FD4F-7B6C-45BC-9F2E-2DEC249B8E54}"/>
+              </a:ext>
+            </a:extLst>
+          </p:cNvPr>
+          <p:cNvSpPr/>
+          <p:nvPr/>
+        </p:nvSpPr>
+        <p:spPr>
+          <a:xfrm>
+            <a:off x="6135843" y="3635403"/>
+            <a:ext cx="292958" cy="351557"/>
+          </a:xfrm>
+          <a:prstGeom prst="rightArrow">
+            <a:avLst/>
+          </a:prstGeom>
+        </p:spPr>
+        <p:style>
+          <a:lnRef idx="2">
+            <a:schemeClr val="accent1">
+              <a:shade val="50000"/>
+            </a:schemeClr>
+          </a:lnRef>
+          <a:fillRef idx="1">
+            <a:schemeClr val="accent1"/>
+          </a:fillRef>
+          <a:effectRef idx="0">
+            <a:schemeClr val="accent1"/>
+          </a:effectRef>
+          <a:fontRef idx="minor">
+            <a:schemeClr val="lt1"/>
+          </a:fontRef>
+        </p:style>
+        <p:txBody>
+          <a:bodyPr rtlCol="0" anchor="ctr"/>
+          <a:lstStyle/>
+          <a:p>
+            <a:pPr algn="ctr"/>
+            <a:endParaRPr lang="en-GB"/>
+          </a:p>
+        </p:txBody>
+      </p:sp>
+      <p:sp>
+        <p:nvSpPr>
+          <p:cNvPr id="13" name="Arrow: Right 12">
+            <a:extLst>
+              <a:ext uri="{FF2B5EF4-FFF2-40B4-BE49-F238E27FC236}">
+                <a16:creationId xmlns:a16="http://schemas.microsoft.com/office/drawing/2014/main" id="{89D7EC50-11C8-4DBE-B4D7-8E2FD42355B2}"/>
+              </a:ext>
+            </a:extLst>
+          </p:cNvPr>
+          <p:cNvSpPr/>
+          <p:nvPr/>
+        </p:nvSpPr>
+        <p:spPr>
+          <a:xfrm>
+            <a:off x="6507920" y="3011388"/>
+            <a:ext cx="292958" cy="351557"/>
+          </a:xfrm>
+          <a:prstGeom prst="rightArrow">
+            <a:avLst/>
+          </a:prstGeom>
+        </p:spPr>
+        <p:style>
+          <a:lnRef idx="2">
+            <a:schemeClr val="accent1">
+              <a:shade val="50000"/>
+            </a:schemeClr>
+          </a:lnRef>
+          <a:fillRef idx="1">
+            <a:schemeClr val="accent1"/>
+          </a:fillRef>
+          <a:effectRef idx="0">
+            <a:schemeClr val="accent1"/>
+          </a:effectRef>
+          <a:fontRef idx="minor">
+            <a:schemeClr val="lt1"/>
+          </a:fontRef>
+        </p:style>
+        <p:txBody>
+          <a:bodyPr rtlCol="0" anchor="ctr"/>
+          <a:lstStyle/>
+          <a:p>
+            <a:pPr algn="ctr"/>
+            <a:endParaRPr lang="en-GB"/>
+          </a:p>
+        </p:txBody>
+      </p:sp>
+      <p:sp>
+        <p:nvSpPr>
+          <p:cNvPr id="14" name="Arrow: Right 13">
+            <a:extLst>
+              <a:ext uri="{FF2B5EF4-FFF2-40B4-BE49-F238E27FC236}">
+                <a16:creationId xmlns:a16="http://schemas.microsoft.com/office/drawing/2014/main" id="{904E2012-31AE-467B-8F40-EB4193E05928}"/>
+              </a:ext>
+            </a:extLst>
+          </p:cNvPr>
+          <p:cNvSpPr/>
+          <p:nvPr/>
+        </p:nvSpPr>
+        <p:spPr>
+          <a:xfrm>
+            <a:off x="6507920" y="3356880"/>
+            <a:ext cx="292958" cy="351557"/>
+          </a:xfrm>
+          <a:prstGeom prst="rightArrow">
+            <a:avLst/>
+          </a:prstGeom>
+        </p:spPr>
+        <p:style>
+          <a:lnRef idx="2">
+            <a:schemeClr val="accent1">
+              <a:shade val="50000"/>
+            </a:schemeClr>
+          </a:lnRef>
+          <a:fillRef idx="1">
+            <a:schemeClr val="accent1"/>
+          </a:fillRef>
+          <a:effectRef idx="0">
+            <a:schemeClr val="accent1"/>
+          </a:effectRef>
+          <a:fontRef idx="minor">
+            <a:schemeClr val="lt1"/>
+          </a:fontRef>
+        </p:style>
+        <p:txBody>
+          <a:bodyPr rtlCol="0" anchor="ctr"/>
+          <a:lstStyle/>
+          <a:p>
+            <a:pPr algn="ctr"/>
+            <a:endParaRPr lang="en-GB"/>
+          </a:p>
+        </p:txBody>
+      </p:sp>
+      <p:sp>
+        <p:nvSpPr>
+          <p:cNvPr id="15" name="Arrow: Right 14">
+            <a:extLst>
+              <a:ext uri="{FF2B5EF4-FFF2-40B4-BE49-F238E27FC236}">
+                <a16:creationId xmlns:a16="http://schemas.microsoft.com/office/drawing/2014/main" id="{4FCC1942-E233-4229-8CCE-06925B11BD04}"/>
+              </a:ext>
+            </a:extLst>
+          </p:cNvPr>
+          <p:cNvSpPr/>
+          <p:nvPr/>
+        </p:nvSpPr>
+        <p:spPr>
+          <a:xfrm>
+            <a:off x="6507920" y="3708538"/>
+            <a:ext cx="292958" cy="351557"/>
+          </a:xfrm>
+          <a:prstGeom prst="rightArrow">
+            <a:avLst/>
+          </a:prstGeom>
+        </p:spPr>
+        <p:style>
+          <a:lnRef idx="2">
+            <a:schemeClr val="accent1">
+              <a:shade val="50000"/>
+            </a:schemeClr>
+          </a:lnRef>
+          <a:fillRef idx="1">
+            <a:schemeClr val="accent1"/>
+          </a:fillRef>
+          <a:effectRef idx="0">
+            <a:schemeClr val="accent1"/>
+          </a:effectRef>
+          <a:fontRef idx="minor">
+            <a:schemeClr val="lt1"/>
+          </a:fontRef>
+        </p:style>
+        <p:txBody>
+          <a:bodyPr rtlCol="0" anchor="ctr"/>
+          <a:lstStyle/>
+          <a:p>
+            <a:pPr algn="ctr"/>
+            <a:endParaRPr lang="en-GB"/>
+          </a:p>
+        </p:txBody>
+      </p:sp>
     </p:spTree>
     <p:extLst>
       <p:ext uri="{BB962C8B-B14F-4D97-AF65-F5344CB8AC3E}">
@@ -5717,7 +6387,7 @@
         </p:blipFill>
         <p:spPr bwMode="auto">
           <a:xfrm rot="322740">
-            <a:off x="1384299" y="3170426"/>
+            <a:off x="1429278" y="3124102"/>
             <a:ext cx="9423400" cy="1759035"/>
           </a:xfrm>
           <a:prstGeom prst="rect">
@@ -5744,13 +6414,15 @@
               </a:ext>
             </a:extLst>
           </p:cNvPr>
-          <p:cNvCxnSpPr/>
+          <p:cNvCxnSpPr>
+            <a:cxnSpLocks/>
+          </p:cNvCxnSpPr>
           <p:nvPr/>
         </p:nvCxnSpPr>
         <p:spPr>
-          <a:xfrm>
-            <a:off x="5562600" y="4189643"/>
-            <a:ext cx="4775200" cy="0"/>
+          <a:xfrm flipV="1">
+            <a:off x="5562600" y="4188287"/>
+            <a:ext cx="4328823" cy="1356"/>
           </a:xfrm>
           <a:prstGeom prst="straightConnector1">
             <a:avLst/>
@@ -5793,8 +6465,8 @@
         </p:nvCxnSpPr>
         <p:spPr>
           <a:xfrm flipV="1">
-            <a:off x="5562600" y="2095500"/>
-            <a:ext cx="0" cy="2095500"/>
+            <a:off x="5562600" y="3713259"/>
+            <a:ext cx="0" cy="477741"/>
           </a:xfrm>
           <a:prstGeom prst="straightConnector1">
             <a:avLst/>
@@ -5835,7 +6507,7 @@
         </p:nvSpPr>
         <p:spPr>
           <a:xfrm>
-            <a:off x="5613175" y="1450093"/>
+            <a:off x="5603557" y="3324557"/>
             <a:ext cx="492443" cy="369332"/>
           </a:xfrm>
           <a:prstGeom prst="rect">
@@ -5909,8 +6581,8 @@
         </p:nvCxnSpPr>
         <p:spPr>
           <a:xfrm flipV="1">
-            <a:off x="5562600" y="2437511"/>
-            <a:ext cx="3657601" cy="1750777"/>
+            <a:off x="5562600" y="3832693"/>
+            <a:ext cx="3501887" cy="355596"/>
           </a:xfrm>
           <a:prstGeom prst="straightConnector1">
             <a:avLst/>
@@ -5995,7 +6667,7 @@
           <a:p>
             <a:r>
               <a:rPr lang="en-US" dirty="0"/>
-              <a:t>Combined forces</a:t>
+              <a:t>Combined forces (Add them all together)</a:t>
             </a:r>
             <a:endParaRPr lang="en-GB" dirty="0"/>
           </a:p>
@@ -6003,10 +6675,40 @@
       </p:sp>
       <p:pic>
         <p:nvPicPr>
-          <p:cNvPr id="5122" name="Picture 2" descr="How Do I Know the Difference Between Basic Trainers &amp; Aerobatic Trainers? |  AMA Flight School">
-            <a:extLst>
-              <a:ext uri="{FF2B5EF4-FFF2-40B4-BE49-F238E27FC236}">
-                <a16:creationId xmlns:a16="http://schemas.microsoft.com/office/drawing/2014/main" id="{868341CC-8AFD-4696-9CBA-F9170E581DE2}"/>
+          <p:cNvPr id="8" name="Picture 7">
+            <a:extLst>
+              <a:ext uri="{FF2B5EF4-FFF2-40B4-BE49-F238E27FC236}">
+                <a16:creationId xmlns:a16="http://schemas.microsoft.com/office/drawing/2014/main" id="{FD598E80-64BE-4B17-AAA9-0CCDD7DC0F34}"/>
+              </a:ext>
+            </a:extLst>
+          </p:cNvPr>
+          <p:cNvPicPr>
+            <a:picLocks noChangeAspect="1"/>
+          </p:cNvPicPr>
+          <p:nvPr/>
+        </p:nvPicPr>
+        <p:blipFill>
+          <a:blip r:embed="rId2"/>
+          <a:stretch>
+            <a:fillRect/>
+          </a:stretch>
+        </p:blipFill>
+        <p:spPr>
+          <a:xfrm>
+            <a:off x="5969119" y="1530210"/>
+            <a:ext cx="4674298" cy="1642321"/>
+          </a:xfrm>
+          <a:prstGeom prst="rect">
+            <a:avLst/>
+          </a:prstGeom>
+        </p:spPr>
+      </p:pic>
+      <p:pic>
+        <p:nvPicPr>
+          <p:cNvPr id="13" name="Picture 2" descr="Wings and lift — Science Learning Hub">
+            <a:extLst>
+              <a:ext uri="{FF2B5EF4-FFF2-40B4-BE49-F238E27FC236}">
+                <a16:creationId xmlns:a16="http://schemas.microsoft.com/office/drawing/2014/main" id="{9363174F-913F-4DC2-8076-741E2E0E0314}"/>
               </a:ext>
             </a:extLst>
           </p:cNvPr>
@@ -6016,36 +6718,20 @@
           <p:nvPr/>
         </p:nvPicPr>
         <p:blipFill rotWithShape="1">
-          <a:blip r:embed="rId2">
-            <a:duotone>
-              <a:prstClr val="black"/>
-              <a:schemeClr val="tx2">
-                <a:tint val="45000"/>
-                <a:satMod val="400000"/>
-              </a:schemeClr>
-            </a:duotone>
-            <a:extLst>
-              <a:ext uri="{BEBA8EAE-BF5A-486C-A8C5-ECC9F3942E4B}">
-                <a14:imgProps xmlns:a14="http://schemas.microsoft.com/office/drawing/2010/main">
-                  <a14:imgLayer r:embed="rId3">
-                    <a14:imgEffect>
-                      <a14:brightnessContrast bright="-40000" contrast="-40000"/>
-                    </a14:imgEffect>
-                  </a14:imgLayer>
-                </a14:imgProps>
-              </a:ext>
+          <a:blip r:embed="rId3">
+            <a:extLst>
               <a:ext uri="{28A0092B-C50C-407E-A947-70E740481C1C}">
                 <a14:useLocalDpi xmlns:a14="http://schemas.microsoft.com/office/drawing/2010/main" val="0"/>
               </a:ext>
             </a:extLst>
           </a:blip>
-          <a:srcRect t="27953" b="42651"/>
+          <a:srcRect b="29415"/>
           <a:stretch/>
         </p:blipFill>
         <p:spPr bwMode="auto">
-          <a:xfrm rot="322740">
-            <a:off x="1384299" y="3170426"/>
-            <a:ext cx="9423400" cy="1759035"/>
+          <a:xfrm>
+            <a:off x="539121" y="2042643"/>
+            <a:ext cx="4294498" cy="1747679"/>
           </a:xfrm>
           <a:prstGeom prst="rect">
             <a:avLst/>
@@ -6062,54 +6748,208 @@
           </a:extLst>
         </p:spPr>
       </p:pic>
+      <p:pic>
+        <p:nvPicPr>
+          <p:cNvPr id="14" name="Picture 4" descr="Products">
+            <a:extLst>
+              <a:ext uri="{FF2B5EF4-FFF2-40B4-BE49-F238E27FC236}">
+                <a16:creationId xmlns:a16="http://schemas.microsoft.com/office/drawing/2014/main" id="{0F8508AC-D47E-494F-A535-27A6C378270C}"/>
+              </a:ext>
+            </a:extLst>
+          </p:cNvPr>
+          <p:cNvPicPr>
+            <a:picLocks noChangeAspect="1" noChangeArrowheads="1"/>
+          </p:cNvPicPr>
+          <p:nvPr/>
+        </p:nvPicPr>
+        <p:blipFill>
+          <a:blip r:embed="rId4">
+            <a:extLst>
+              <a:ext uri="{28A0092B-C50C-407E-A947-70E740481C1C}">
+                <a14:useLocalDpi xmlns:a14="http://schemas.microsoft.com/office/drawing/2010/main" val="0"/>
+              </a:ext>
+            </a:extLst>
+          </a:blip>
+          <a:srcRect/>
+          <a:stretch>
+            <a:fillRect/>
+          </a:stretch>
+        </p:blipFill>
+        <p:spPr bwMode="auto">
+          <a:xfrm>
+            <a:off x="695016" y="4355551"/>
+            <a:ext cx="3556390" cy="2298700"/>
+          </a:xfrm>
+          <a:prstGeom prst="rect">
+            <a:avLst/>
+          </a:prstGeom>
+          <a:noFill/>
+          <a:extLst>
+            <a:ext uri="{909E8E84-426E-40DD-AFC4-6F175D3DCCD1}">
+              <a14:hiddenFill xmlns:a14="http://schemas.microsoft.com/office/drawing/2010/main">
+                <a:solidFill>
+                  <a:srgbClr val="FFFFFF"/>
+                </a:solidFill>
+              </a14:hiddenFill>
+            </a:ext>
+          </a:extLst>
+        </p:spPr>
+      </p:pic>
+      <p:sp>
+        <p:nvSpPr>
+          <p:cNvPr id="15" name="TextBox 14">
+            <a:extLst>
+              <a:ext uri="{FF2B5EF4-FFF2-40B4-BE49-F238E27FC236}">
+                <a16:creationId xmlns:a16="http://schemas.microsoft.com/office/drawing/2014/main" id="{EA4FBE4B-5EEA-4CF3-97E8-9E612F198CAB}"/>
+              </a:ext>
+            </a:extLst>
+          </p:cNvPr>
+          <p:cNvSpPr txBox="1"/>
+          <p:nvPr/>
+        </p:nvSpPr>
+        <p:spPr>
+          <a:xfrm>
+            <a:off x="2536329" y="3790322"/>
+            <a:ext cx="439544" cy="707886"/>
+          </a:xfrm>
+          <a:prstGeom prst="rect">
+            <a:avLst/>
+          </a:prstGeom>
+          <a:noFill/>
+        </p:spPr>
+        <p:txBody>
+          <a:bodyPr wrap="none" rtlCol="0">
+            <a:spAutoFit/>
+          </a:bodyPr>
+          <a:lstStyle/>
+          <a:p>
+            <a:r>
+              <a:rPr lang="en-US" sz="4000" b="1" dirty="0">
+                <a:solidFill>
+                  <a:srgbClr val="FF0000"/>
+                </a:solidFill>
+              </a:rPr>
+              <a:t>+</a:t>
+            </a:r>
+            <a:endParaRPr lang="en-GB" sz="4000" b="1" dirty="0">
+              <a:solidFill>
+                <a:srgbClr val="FF0000"/>
+              </a:solidFill>
+            </a:endParaRPr>
+          </a:p>
+        </p:txBody>
+      </p:sp>
+      <p:sp>
+        <p:nvSpPr>
+          <p:cNvPr id="16" name="TextBox 15">
+            <a:extLst>
+              <a:ext uri="{FF2B5EF4-FFF2-40B4-BE49-F238E27FC236}">
+                <a16:creationId xmlns:a16="http://schemas.microsoft.com/office/drawing/2014/main" id="{0BEFE0F3-92AD-434A-9687-50E3596AEF21}"/>
+              </a:ext>
+            </a:extLst>
+          </p:cNvPr>
+          <p:cNvSpPr txBox="1"/>
+          <p:nvPr/>
+        </p:nvSpPr>
+        <p:spPr>
+          <a:xfrm>
+            <a:off x="5611563" y="4031869"/>
+            <a:ext cx="439544" cy="707886"/>
+          </a:xfrm>
+          <a:prstGeom prst="rect">
+            <a:avLst/>
+          </a:prstGeom>
+          <a:noFill/>
+        </p:spPr>
+        <p:txBody>
+          <a:bodyPr wrap="none" rtlCol="0">
+            <a:spAutoFit/>
+          </a:bodyPr>
+          <a:lstStyle/>
+          <a:p>
+            <a:r>
+              <a:rPr lang="en-US" sz="4000" b="1" dirty="0">
+                <a:solidFill>
+                  <a:srgbClr val="FF0000"/>
+                </a:solidFill>
+              </a:rPr>
+              <a:t>=</a:t>
+            </a:r>
+            <a:endParaRPr lang="en-GB" sz="4000" b="1" dirty="0">
+              <a:solidFill>
+                <a:srgbClr val="FF0000"/>
+              </a:solidFill>
+            </a:endParaRPr>
+          </a:p>
+        </p:txBody>
+      </p:sp>
+      <p:pic>
+        <p:nvPicPr>
+          <p:cNvPr id="24" name="Picture 2" descr="How Do I Know the Difference Between Basic Trainers &amp; Aerobatic Trainers? |  AMA Flight School">
+            <a:extLst>
+              <a:ext uri="{FF2B5EF4-FFF2-40B4-BE49-F238E27FC236}">
+                <a16:creationId xmlns:a16="http://schemas.microsoft.com/office/drawing/2014/main" id="{F1818DD0-486F-4D2E-A431-1F3B4BDC6189}"/>
+              </a:ext>
+            </a:extLst>
+          </p:cNvPr>
+          <p:cNvPicPr>
+            <a:picLocks noChangeAspect="1" noChangeArrowheads="1"/>
+          </p:cNvPicPr>
+          <p:nvPr/>
+        </p:nvPicPr>
+        <p:blipFill rotWithShape="1">
+          <a:blip r:embed="rId5">
+            <a:duotone>
+              <a:prstClr val="black"/>
+              <a:schemeClr val="tx2">
+                <a:tint val="45000"/>
+                <a:satMod val="400000"/>
+              </a:schemeClr>
+            </a:duotone>
+            <a:extLst>
+              <a:ext uri="{BEBA8EAE-BF5A-486C-A8C5-ECC9F3942E4B}">
+                <a14:imgProps xmlns:a14="http://schemas.microsoft.com/office/drawing/2010/main">
+                  <a14:imgLayer r:embed="rId6">
+                    <a14:imgEffect>
+                      <a14:brightnessContrast bright="-40000" contrast="-40000"/>
+                    </a14:imgEffect>
+                  </a14:imgLayer>
+                </a14:imgProps>
+              </a:ext>
+              <a:ext uri="{28A0092B-C50C-407E-A947-70E740481C1C}">
+                <a14:useLocalDpi xmlns:a14="http://schemas.microsoft.com/office/drawing/2010/main" val="0"/>
+              </a:ext>
+            </a:extLst>
+          </a:blip>
+          <a:srcRect t="27953" b="42651"/>
+          <a:stretch/>
+        </p:blipFill>
+        <p:spPr bwMode="auto">
+          <a:xfrm rot="322740">
+            <a:off x="6179356" y="4063234"/>
+            <a:ext cx="5874066" cy="1096493"/>
+          </a:xfrm>
+          <a:prstGeom prst="rect">
+            <a:avLst/>
+          </a:prstGeom>
+          <a:noFill/>
+          <a:extLst>
+            <a:ext uri="{909E8E84-426E-40DD-AFC4-6F175D3DCCD1}">
+              <a14:hiddenFill xmlns:a14="http://schemas.microsoft.com/office/drawing/2010/main">
+                <a:solidFill>
+                  <a:srgbClr val="FFFFFF"/>
+                </a:solidFill>
+              </a14:hiddenFill>
+            </a:ext>
+          </a:extLst>
+        </p:spPr>
+      </p:pic>
       <p:cxnSp>
         <p:nvCxnSpPr>
-          <p:cNvPr id="3" name="Straight Arrow Connector 2">
-            <a:extLst>
-              <a:ext uri="{FF2B5EF4-FFF2-40B4-BE49-F238E27FC236}">
-                <a16:creationId xmlns:a16="http://schemas.microsoft.com/office/drawing/2014/main" id="{9EEDCBDB-3855-41B5-B98C-919C8A0398E1}"/>
-              </a:ext>
-            </a:extLst>
-          </p:cNvPr>
-          <p:cNvCxnSpPr/>
-          <p:nvPr/>
-        </p:nvCxnSpPr>
-        <p:spPr>
-          <a:xfrm>
-            <a:off x="5562600" y="4189643"/>
-            <a:ext cx="4775200" cy="0"/>
-          </a:xfrm>
-          <a:prstGeom prst="straightConnector1">
-            <a:avLst/>
-          </a:prstGeom>
-          <a:ln w="76200">
-            <a:solidFill>
-              <a:srgbClr val="00B050"/>
-            </a:solidFill>
-            <a:tailEnd type="triangle"/>
-          </a:ln>
-        </p:spPr>
-        <p:style>
-          <a:lnRef idx="1">
-            <a:schemeClr val="accent1"/>
-          </a:lnRef>
-          <a:fillRef idx="0">
-            <a:schemeClr val="accent1"/>
-          </a:fillRef>
-          <a:effectRef idx="0">
-            <a:schemeClr val="accent1"/>
-          </a:effectRef>
-          <a:fontRef idx="minor">
-            <a:schemeClr val="tx1"/>
-          </a:fontRef>
-        </p:style>
-      </p:cxnSp>
-      <p:cxnSp>
-        <p:nvCxnSpPr>
-          <p:cNvPr id="7" name="Straight Arrow Connector 6">
-            <a:extLst>
-              <a:ext uri="{FF2B5EF4-FFF2-40B4-BE49-F238E27FC236}">
-                <a16:creationId xmlns:a16="http://schemas.microsoft.com/office/drawing/2014/main" id="{1019F176-064C-4F4E-AE3E-D85C4804AF86}"/>
+          <p:cNvPr id="29" name="Straight Arrow Connector 28">
+            <a:extLst>
+              <a:ext uri="{FF2B5EF4-FFF2-40B4-BE49-F238E27FC236}">
+                <a16:creationId xmlns:a16="http://schemas.microsoft.com/office/drawing/2014/main" id="{9A33677C-6C79-4051-9F7F-AAD918853090}"/>
               </a:ext>
             </a:extLst>
           </p:cNvPr>
@@ -6120,124 +6960,8 @@
         </p:nvCxnSpPr>
         <p:spPr>
           <a:xfrm flipV="1">
-            <a:off x="5562600" y="2095500"/>
-            <a:ext cx="0" cy="2095500"/>
-          </a:xfrm>
-          <a:prstGeom prst="straightConnector1">
-            <a:avLst/>
-          </a:prstGeom>
-          <a:ln w="76200">
-            <a:solidFill>
-              <a:srgbClr val="00B050"/>
-            </a:solidFill>
-            <a:tailEnd type="triangle"/>
-          </a:ln>
-        </p:spPr>
-        <p:style>
-          <a:lnRef idx="1">
-            <a:schemeClr val="accent1"/>
-          </a:lnRef>
-          <a:fillRef idx="0">
-            <a:schemeClr val="accent1"/>
-          </a:fillRef>
-          <a:effectRef idx="0">
-            <a:schemeClr val="accent1"/>
-          </a:effectRef>
-          <a:fontRef idx="minor">
-            <a:schemeClr val="tx1"/>
-          </a:fontRef>
-        </p:style>
-      </p:cxnSp>
-      <p:sp>
-        <p:nvSpPr>
-          <p:cNvPr id="5" name="TextBox 4">
-            <a:extLst>
-              <a:ext uri="{FF2B5EF4-FFF2-40B4-BE49-F238E27FC236}">
-                <a16:creationId xmlns:a16="http://schemas.microsoft.com/office/drawing/2014/main" id="{34D8D499-40D6-45B4-B5E4-17056D7A1371}"/>
-              </a:ext>
-            </a:extLst>
-          </p:cNvPr>
-          <p:cNvSpPr txBox="1"/>
-          <p:nvPr/>
-        </p:nvSpPr>
-        <p:spPr>
-          <a:xfrm>
-            <a:off x="5613175" y="1450093"/>
-            <a:ext cx="492443" cy="369332"/>
-          </a:xfrm>
-          <a:prstGeom prst="rect">
-            <a:avLst/>
-          </a:prstGeom>
-          <a:noFill/>
-        </p:spPr>
-        <p:txBody>
-          <a:bodyPr wrap="none" rtlCol="0">
-            <a:spAutoFit/>
-          </a:bodyPr>
-          <a:lstStyle/>
-          <a:p>
-            <a:r>
-              <a:rPr lang="en-US" b="1" dirty="0"/>
-              <a:t>Lift</a:t>
-            </a:r>
-            <a:endParaRPr lang="en-GB" b="1" dirty="0"/>
-          </a:p>
-        </p:txBody>
-      </p:sp>
-      <p:sp>
-        <p:nvSpPr>
-          <p:cNvPr id="10" name="TextBox 9">
-            <a:extLst>
-              <a:ext uri="{FF2B5EF4-FFF2-40B4-BE49-F238E27FC236}">
-                <a16:creationId xmlns:a16="http://schemas.microsoft.com/office/drawing/2014/main" id="{FE29B8EB-48C9-436F-B92D-062500371A86}"/>
-              </a:ext>
-            </a:extLst>
-          </p:cNvPr>
-          <p:cNvSpPr txBox="1"/>
-          <p:nvPr/>
-        </p:nvSpPr>
-        <p:spPr>
-          <a:xfrm>
-            <a:off x="10337800" y="3818955"/>
-            <a:ext cx="630044" cy="369332"/>
-          </a:xfrm>
-          <a:prstGeom prst="rect">
-            <a:avLst/>
-          </a:prstGeom>
-          <a:noFill/>
-        </p:spPr>
-        <p:txBody>
-          <a:bodyPr wrap="none" rtlCol="0">
-            <a:spAutoFit/>
-          </a:bodyPr>
-          <a:lstStyle/>
-          <a:p>
-            <a:r>
-              <a:rPr lang="en-US" b="1" dirty="0"/>
-              <a:t>Drag</a:t>
-            </a:r>
-            <a:endParaRPr lang="en-GB" b="1" dirty="0"/>
-          </a:p>
-        </p:txBody>
-      </p:sp>
-      <p:cxnSp>
-        <p:nvCxnSpPr>
-          <p:cNvPr id="11" name="Straight Arrow Connector 10">
-            <a:extLst>
-              <a:ext uri="{FF2B5EF4-FFF2-40B4-BE49-F238E27FC236}">
-                <a16:creationId xmlns:a16="http://schemas.microsoft.com/office/drawing/2014/main" id="{46FBEBDF-5092-41E0-9843-1413E793C9C0}"/>
-              </a:ext>
-            </a:extLst>
-          </p:cNvPr>
-          <p:cNvCxnSpPr>
-            <a:cxnSpLocks/>
-          </p:cNvCxnSpPr>
-          <p:nvPr/>
-        </p:nvCxnSpPr>
-        <p:spPr>
-          <a:xfrm flipV="1">
-            <a:off x="5562600" y="2437511"/>
-            <a:ext cx="3657601" cy="1750777"/>
+            <a:off x="9116389" y="4551460"/>
+            <a:ext cx="2494312" cy="152354"/>
           </a:xfrm>
           <a:prstGeom prst="straightConnector1">
             <a:avLst/>
@@ -6264,10 +6988,93 @@
           </a:fontRef>
         </p:style>
       </p:cxnSp>
+      <p:sp>
+        <p:nvSpPr>
+          <p:cNvPr id="31" name="TextBox 30">
+            <a:extLst>
+              <a:ext uri="{FF2B5EF4-FFF2-40B4-BE49-F238E27FC236}">
+                <a16:creationId xmlns:a16="http://schemas.microsoft.com/office/drawing/2014/main" id="{52B13F8B-4858-4650-BAD0-58C79B6AF109}"/>
+              </a:ext>
+            </a:extLst>
+          </p:cNvPr>
+          <p:cNvSpPr txBox="1"/>
+          <p:nvPr/>
+        </p:nvSpPr>
+        <p:spPr>
+          <a:xfrm>
+            <a:off x="9948602" y="3605655"/>
+            <a:ext cx="1602811" cy="369332"/>
+          </a:xfrm>
+          <a:prstGeom prst="rect">
+            <a:avLst/>
+          </a:prstGeom>
+          <a:noFill/>
+        </p:spPr>
+        <p:txBody>
+          <a:bodyPr wrap="none" rtlCol="0">
+            <a:spAutoFit/>
+          </a:bodyPr>
+          <a:lstStyle/>
+          <a:p>
+            <a:r>
+              <a:rPr lang="en-US" b="1" dirty="0"/>
+              <a:t>Resulting force</a:t>
+            </a:r>
+            <a:endParaRPr lang="en-GB" b="1" dirty="0"/>
+          </a:p>
+        </p:txBody>
+      </p:sp>
+      <p:sp>
+        <p:nvSpPr>
+          <p:cNvPr id="2" name="Rectangle 1">
+            <a:extLst>
+              <a:ext uri="{FF2B5EF4-FFF2-40B4-BE49-F238E27FC236}">
+                <a16:creationId xmlns:a16="http://schemas.microsoft.com/office/drawing/2014/main" id="{EAE2D6D1-1906-47FF-9009-3098A56F58CF}"/>
+              </a:ext>
+            </a:extLst>
+          </p:cNvPr>
+          <p:cNvSpPr/>
+          <p:nvPr/>
+        </p:nvSpPr>
+        <p:spPr>
+          <a:xfrm>
+            <a:off x="198783" y="1477414"/>
+            <a:ext cx="5248277" cy="5599247"/>
+          </a:xfrm>
+          <a:prstGeom prst="rect">
+            <a:avLst/>
+          </a:prstGeom>
+          <a:noFill/>
+        </p:spPr>
+        <p:style>
+          <a:lnRef idx="2">
+            <a:schemeClr val="accent1">
+              <a:shade val="50000"/>
+            </a:schemeClr>
+          </a:lnRef>
+          <a:fillRef idx="1">
+            <a:schemeClr val="accent1"/>
+          </a:fillRef>
+          <a:effectRef idx="0">
+            <a:schemeClr val="accent1"/>
+          </a:effectRef>
+          <a:fontRef idx="minor">
+            <a:schemeClr val="lt1"/>
+          </a:fontRef>
+        </p:style>
+        <p:txBody>
+          <a:bodyPr rtlCol="0" anchor="ctr"/>
+          <a:lstStyle/>
+          <a:p>
+            <a:pPr algn="ctr"/>
+            <a:endParaRPr lang="en-GB"/>
+          </a:p>
+        </p:txBody>
+      </p:sp>
     </p:spTree>
     <p:extLst>
       <p:ext uri="{BB962C8B-B14F-4D97-AF65-F5344CB8AC3E}">
-        <p14:creationId xmlns:p14="http://schemas.microsoft.com/office/powerpoint/2010/main" val="2249222241"/>
+        <p14:creationId xmlns:p14="http://schemas.microsoft.com/office/powerpoint/2010/main" val="2249051926"/>
       </p:ext>
     </p:extLst>
   </p:cSld>
